--- a/vorgehen.pptx
+++ b/vorgehen.pptx
@@ -15,18 +15,6 @@
     <p:sldId id="263" r:id="rId10"/>
     <p:sldId id="264" r:id="rId11"/>
     <p:sldId id="265" r:id="rId12"/>
-    <p:sldId id="270" r:id="rId13"/>
-    <p:sldId id="271" r:id="rId14"/>
-    <p:sldId id="272" r:id="rId15"/>
-    <p:sldId id="273" r:id="rId16"/>
-    <p:sldId id="274" r:id="rId17"/>
-    <p:sldId id="275" r:id="rId18"/>
-    <p:sldId id="276" r:id="rId19"/>
-    <p:sldId id="277" r:id="rId20"/>
-    <p:sldId id="278" r:id="rId21"/>
-    <p:sldId id="279" r:id="rId22"/>
-    <p:sldId id="280" r:id="rId23"/>
-    <p:sldId id="281" r:id="rId24"/>
   </p:sldIdLst>
   <p:sldSz cx="12192000" cy="6858000"/>
   <p:notesSz cx="7103745" cy="10234295"/>
@@ -2781,7 +2769,7 @@
         <p:spPr>
           <a:xfrm>
             <a:off x="302260" y="1059180"/>
-            <a:ext cx="11592560" cy="5908040"/>
+            <a:ext cx="11592560" cy="5046345"/>
           </a:xfrm>
           <a:prstGeom prst="rect">
             <a:avLst/>
@@ -2799,7 +2787,7 @@
             </a:pPr>
             <a:r>
               <a:rPr lang="en-US" altLang="en-US" sz="1400" b="1"/>
-              <a:t>Die C++ Seite muss einen Matrixtyp und einen Vektortyp enthalten, die sich wie R Matritzen und Vektoren verhalten</a:t>
+              <a:t>subsetten ist schwierig</a:t>
             </a:r>
             <a:endParaRPr lang="en-US" altLang="en-US" sz="1400" b="1"/>
           </a:p>
@@ -2810,7 +2798,7 @@
             </a:pPr>
             <a:r>
               <a:rPr lang="en-US" altLang="en-US" sz="1400" b="1"/>
-              <a:t>Außerdem muss er eine Klasse enthalten, die ein Skalar (double) einen Vektor und eine Matrix enthalten. Außerdem ein int 'typ' welches den Typ definiert (typ = 0 --&gt; skalar, typ = 1 --&gt; vector, typ = 2 --&gt; matrix)</a:t>
+              <a:t>Idee stack aufbauen std vector</a:t>
             </a:r>
             <a:endParaRPr lang="en-US" altLang="en-US" sz="1400" b="1"/>
           </a:p>
@@ -2821,7 +2809,7 @@
             </a:pPr>
             <a:r>
               <a:rPr lang="en-US" altLang="en-US" sz="1400" b="1"/>
-              <a:t>Außerdem gibt es eine Set_type function --&gt; verändert 'typ'</a:t>
+              <a:t>jeder eintrag des stack definiert die einträge die im jeweiligen subset verwendet werden soll</a:t>
             </a:r>
             <a:endParaRPr lang="en-US" altLang="en-US" sz="1400" b="1"/>
           </a:p>
@@ -2832,7 +2820,7 @@
             </a:pPr>
             <a:r>
               <a:rPr lang="en-US" altLang="en-US" sz="1400" b="1"/>
-              <a:t>Die Variable 'typ' wird in der Funktion operator= abgefragt um zu testen wo das Ergebnis der RHS gespeichert wird (entweder in skalar, vektor oder matrix attribute der Klasse)</a:t>
+              <a:t>nach jeder zeile den stack auf null setzten</a:t>
             </a:r>
             <a:endParaRPr lang="en-US" altLang="en-US" sz="1400" b="1"/>
           </a:p>
@@ -2850,7 +2838,7 @@
             </a:pPr>
             <a:r>
               <a:rPr lang="en-US" altLang="en-US" sz="1400" b="1"/>
-              <a:t>Ist boost.yap wirklich der einfachste Weg?</a:t>
+              <a:t>schwierige kommunikation zwischen VEC und add etc. </a:t>
             </a:r>
             <a:endParaRPr lang="en-US" altLang="en-US" sz="1400" b="1"/>
           </a:p>
@@ -2859,20 +2847,34 @@
               <a:buFont typeface="Arial" panose="02080604020202020204" pitchFamily="34" charset="0"/>
               <a:buChar char="•"/>
             </a:pPr>
+            <a:endParaRPr lang="en-US" altLang="en-US" sz="1400" b="1"/>
+          </a:p>
+          <a:p>
+            <a:pPr marL="285750" indent="-285750">
+              <a:buFont typeface="Arial" panose="02080604020202020204" pitchFamily="34" charset="0"/>
+              <a:buChar char="•"/>
+            </a:pPr>
             <a:r>
               <a:rPr lang="en-US" altLang="en-US" sz="1400" b="1"/>
-              <a:t>https://www.boost.org/doc/libs/1_74_0/doc/html/yap.html</a:t>
+              <a:t>http://www.bnikolic.co.uk/blog/cpp-expression-minimal.html</a:t>
             </a:r>
             <a:endParaRPr lang="en-US" altLang="en-US" sz="1400" b="1"/>
           </a:p>
           <a:p>
-            <a:pPr marL="742950" lvl="1" indent="-285750">
+            <a:pPr marL="285750" indent="-285750">
+              <a:buFont typeface="Arial" panose="02080604020202020204" pitchFamily="34" charset="0"/>
+              <a:buChar char="•"/>
+            </a:pPr>
+            <a:endParaRPr lang="en-US" altLang="en-US" sz="1400" b="1"/>
+          </a:p>
+          <a:p>
+            <a:pPr marL="285750" indent="-285750">
               <a:buFont typeface="Arial" panose="02080604020202020204" pitchFamily="34" charset="0"/>
               <a:buChar char="•"/>
             </a:pPr>
             <a:r>
               <a:rPr lang="en-US" altLang="en-US" sz="1400" b="1"/>
-              <a:t>sehr komplex</a:t>
+              <a:t>https://en.wikibooks.org/wiki/More_C%2B%2B_Idioms/Expression-template</a:t>
             </a:r>
             <a:endParaRPr lang="en-US" altLang="en-US" sz="1400" b="1"/>
           </a:p>
@@ -2890,18 +2892,25 @@
             </a:pPr>
             <a:r>
               <a:rPr lang="en-US" altLang="en-US" sz="1400" b="1"/>
-              <a:t>https://riptutorial.com/cplusplus/example/19992/a-basic-example-illustrating-expression-templates</a:t>
+              <a:t>https://www.tutorialclues.com/topics/cplusplus/examples/basic-expression-templates-on-element-wise-algebraic-expressions</a:t>
             </a:r>
             <a:endParaRPr lang="en-US" altLang="en-US" sz="1400" b="1"/>
           </a:p>
           <a:p>
-            <a:pPr marL="742950" lvl="1" indent="-285750">
+            <a:pPr marL="285750" indent="-285750">
+              <a:buFont typeface="Arial" panose="02080604020202020204" pitchFamily="34" charset="0"/>
+              <a:buChar char="•"/>
+            </a:pPr>
+            <a:endParaRPr lang="en-US" altLang="en-US" sz="1400" b="1"/>
+          </a:p>
+          <a:p>
+            <a:pPr marL="285750" indent="-285750">
               <a:buFont typeface="Arial" panose="02080604020202020204" pitchFamily="34" charset="0"/>
               <a:buChar char="•"/>
             </a:pPr>
             <a:r>
               <a:rPr lang="en-US" altLang="en-US" sz="1400" b="1"/>
-              <a:t>vllt. hilfreich</a:t>
+              <a:t>https://www.tutorialclues.com/topics/cplusplus/examples/a-basic-example-illustrating-expression-templates</a:t>
             </a:r>
             <a:endParaRPr lang="en-US" altLang="en-US" sz="1400" b="1"/>
           </a:p>
@@ -2919,29 +2928,43 @@
             </a:pPr>
             <a:r>
               <a:rPr lang="en-US" altLang="en-US" sz="1400" b="1"/>
-              <a:t>https://www.grimm-jaud.de/index.php/private-vortraege/17-expression-templates</a:t>
+              <a:t>https://www.usenix.org/legacy/publications/library/proceedings/coots98/gil/gil_html/gil.html</a:t>
             </a:r>
             <a:endParaRPr lang="en-US" altLang="en-US" sz="1400" b="1"/>
           </a:p>
           <a:p>
-            <a:pPr marL="742950" lvl="1" indent="-285750">
+            <a:pPr marL="285750" indent="-285750">
+              <a:buFont typeface="Arial" panose="02080604020202020204" pitchFamily="34" charset="0"/>
+              <a:buChar char="•"/>
+            </a:pPr>
+            <a:endParaRPr lang="en-US" altLang="en-US" sz="1400" b="1"/>
+          </a:p>
+          <a:p>
+            <a:pPr marL="285750" indent="-285750">
               <a:buFont typeface="Arial" panose="02080604020202020204" pitchFamily="34" charset="0"/>
               <a:buChar char="•"/>
             </a:pPr>
             <a:r>
               <a:rPr lang="en-US" altLang="en-US" sz="1400" b="1"/>
-              <a:t>Das sieht ziemlich gut aus</a:t>
+              <a:t>https://www.youtube.com/watch?v=hfn0BVOegac</a:t>
             </a:r>
             <a:endParaRPr lang="en-US" altLang="en-US" sz="1400" b="1"/>
           </a:p>
           <a:p>
-            <a:pPr marL="742950" lvl="1" indent="-285750">
+            <a:pPr marL="285750" indent="-285750">
+              <a:buFont typeface="Arial" panose="02080604020202020204" pitchFamily="34" charset="0"/>
+              <a:buChar char="•"/>
+            </a:pPr>
+            <a:endParaRPr lang="en-US" altLang="en-US" sz="1400" b="1"/>
+          </a:p>
+          <a:p>
+            <a:pPr marL="285750" indent="-285750">
               <a:buFont typeface="Arial" panose="02080604020202020204" pitchFamily="34" charset="0"/>
               <a:buChar char="•"/>
             </a:pPr>
             <a:r>
               <a:rPr lang="en-US" altLang="en-US" sz="1400" b="1"/>
-              <a:t>Unklar aber ob nur Vektoren abgedeckt sind???</a:t>
+              <a:t>https://www.youtube.com/watch?v=VhIwDxkIsME</a:t>
             </a:r>
             <a:endParaRPr lang="en-US" altLang="en-US" sz="1400" b="1"/>
           </a:p>
@@ -2959,78 +2982,9 @@
             </a:pPr>
             <a:r>
               <a:rPr lang="en-US" altLang="en-US" sz="1400" b="1"/>
-              <a:t>https://www.modernescpp.com/index.php/expression-templates</a:t>
+              <a:t>https://www.youtube.com/watch?v=DpxNge0Zhi4</a:t>
             </a:r>
             <a:endParaRPr lang="en-US" altLang="en-US" sz="1400" b="1"/>
-          </a:p>
-          <a:p>
-            <a:pPr marL="742950" lvl="1" indent="-285750">
-              <a:buFont typeface="Arial" panose="02080604020202020204" pitchFamily="34" charset="0"/>
-              <a:buChar char="•"/>
-            </a:pPr>
-            <a:r>
-              <a:rPr lang="en-US" altLang="en-US" sz="1400" b="1"/>
-              <a:t>nur Vektor und ein wenig knapp</a:t>
-            </a:r>
-            <a:endParaRPr lang="en-US" altLang="en-US" sz="1400" b="1"/>
-          </a:p>
-          <a:p>
-            <a:pPr marL="285750" lvl="0" indent="-285750">
-              <a:buFont typeface="Arial" panose="02080604020202020204" pitchFamily="34" charset="0"/>
-              <a:buChar char="•"/>
-            </a:pPr>
-            <a:endParaRPr lang="en-US" altLang="en-US" sz="1400" b="1"/>
-          </a:p>
-          <a:p>
-            <a:pPr marL="285750" lvl="0" indent="-285750">
-              <a:buFont typeface="Arial" panose="02080604020202020204" pitchFamily="34" charset="0"/>
-              <a:buChar char="•"/>
-            </a:pPr>
-            <a:r>
-              <a:rPr lang="en-US" altLang="en-US" sz="1400" b="1"/>
-              <a:t>https://github.com/dmlc/mshadow/blob/master/guide/exp-template/README.md</a:t>
-            </a:r>
-            <a:endParaRPr lang="en-US" altLang="en-US" sz="1400" b="1"/>
-          </a:p>
-          <a:p>
-            <a:pPr marL="742950" lvl="1" indent="-285750">
-              <a:buFont typeface="Arial" panose="02080604020202020204" pitchFamily="34" charset="0"/>
-              <a:buChar char="•"/>
-            </a:pPr>
-            <a:r>
-              <a:rPr lang="en-US" altLang="en-US" sz="1400" b="1"/>
-              <a:t>sehr gut!</a:t>
-            </a:r>
-            <a:endParaRPr lang="en-US" altLang="en-US" sz="1400" b="1"/>
-          </a:p>
-          <a:p>
-            <a:pPr marL="285750" lvl="0" indent="-285750">
-              <a:buFont typeface="Arial" panose="02080604020202020204" pitchFamily="34" charset="0"/>
-              <a:buChar char="•"/>
-            </a:pPr>
-            <a:endParaRPr lang="en-US" altLang="en-US" sz="1400" b="1"/>
-          </a:p>
-          <a:p>
-            <a:pPr marL="285750" lvl="0" indent="-285750">
-              <a:buFont typeface="Arial" panose="02080604020202020204" pitchFamily="34" charset="0"/>
-              <a:buChar char="•"/>
-            </a:pPr>
-            <a:r>
-              <a:rPr lang="en-US" altLang="en-US" sz="1400" b="1"/>
-              <a:t>http://www.angelikalanger.com/Articles/Cuj/ExpressionTemplates/ExpressionTemplates.htm</a:t>
-            </a:r>
-            <a:endParaRPr lang="en-US" altLang="en-US" sz="1400" b="1"/>
-          </a:p>
-          <a:p>
-            <a:pPr marL="742950" lvl="1" indent="-285750">
-              <a:buFont typeface="Arial" panose="02080604020202020204" pitchFamily="34" charset="0"/>
-              <a:buChar char="•"/>
-            </a:pPr>
-            <a:r>
-              <a:rPr lang="" altLang="en-US" sz="1400" b="1"/>
-              <a:t>sehr ausführlich</a:t>
-            </a:r>
-            <a:endParaRPr lang="" altLang="en-US" sz="1400" b="1"/>
           </a:p>
         </p:txBody>
       </p:sp>
@@ -3042,7 +2996,7 @@
 </p:sld>
 </file>
 
-<file path=ppt/slides/slide11.xml><?xml version="1.0" encoding="utf-8"?>
+<file path=ppt/slides/slide2.xml><?xml version="1.0" encoding="utf-8"?>
 <p:sld xmlns:a="http://schemas.openxmlformats.org/drawingml/2006/main" xmlns:r="http://schemas.openxmlformats.org/officeDocument/2006/relationships" xmlns:p="http://schemas.openxmlformats.org/presentationml/2006/main">
   <p:cSld>
     <p:spTree>
@@ -3073,7 +3027,7 @@
           <a:p>
             <a:r>
               <a:rPr lang="en-US" altLang="en-US"/>
-              <a:t>ET Vektor (naiv)</a:t>
+              <a:t>Vorgehen</a:t>
             </a:r>
             <a:endParaRPr lang="en-US" altLang="en-US"/>
           </a:p>
@@ -3123,2491 +3077,6 @@
         <p:spPr>
           <a:xfrm>
             <a:off x="302260" y="1059180"/>
-            <a:ext cx="11592560" cy="3753485"/>
-          </a:xfrm>
-          <a:prstGeom prst="rect">
-            <a:avLst/>
-          </a:prstGeom>
-          <a:noFill/>
-        </p:spPr>
-        <p:txBody>
-          <a:bodyPr wrap="square" rtlCol="0">
-            <a:spAutoFit/>
-          </a:bodyPr>
-          <a:p>
-            <a:pPr marL="285750" indent="-285750">
-              <a:buFont typeface="Arial" panose="02080604020202020204" pitchFamily="34" charset="0"/>
-              <a:buChar char="•"/>
-            </a:pPr>
-            <a:r>
-              <a:rPr lang="en-US" altLang="en-US" sz="1400" b="1">
-                <a:sym typeface="+mn-ea"/>
-              </a:rPr>
-              <a:t>https://www.grimm-jaud.de/index.php/private-vortraege/17-expression-templates</a:t>
-            </a:r>
-            <a:endParaRPr lang="en-US" altLang="en-US" sz="1400" b="1">
-              <a:sym typeface="+mn-ea"/>
-            </a:endParaRPr>
-          </a:p>
-          <a:p>
-            <a:pPr marL="285750" indent="-285750">
-              <a:buFont typeface="Arial" panose="02080604020202020204" pitchFamily="34" charset="0"/>
-              <a:buChar char="•"/>
-            </a:pPr>
-            <a:endParaRPr lang="en-US" altLang="en-US" sz="1400" b="1"/>
-          </a:p>
-          <a:p>
-            <a:pPr marL="285750" indent="-285750">
-              <a:buFont typeface="Arial" panose="02080604020202020204" pitchFamily="34" charset="0"/>
-              <a:buChar char="•"/>
-            </a:pPr>
-            <a:r>
-              <a:rPr lang="en-US" altLang="en-US" sz="1400" b="1"/>
-              <a:t>template &lt;typename T&gt;</a:t>
-            </a:r>
-            <a:endParaRPr lang="en-US" altLang="en-US" sz="1400" b="1"/>
-          </a:p>
-          <a:p>
-            <a:pPr marL="285750" indent="-285750">
-              <a:buFont typeface="Arial" panose="02080604020202020204" pitchFamily="34" charset="0"/>
-              <a:buChar char="•"/>
-            </a:pPr>
-            <a:r>
-              <a:rPr lang="en-US" altLang="en-US" sz="1400" b="1"/>
-              <a:t>class Vektor{</a:t>
-            </a:r>
-            <a:endParaRPr lang="en-US" altLang="en-US" sz="1400" b="1"/>
-          </a:p>
-          <a:p>
-            <a:pPr marL="285750" indent="-285750">
-              <a:buFont typeface="Arial" panose="02080604020202020204" pitchFamily="34" charset="0"/>
-              <a:buChar char="•"/>
-            </a:pPr>
-            <a:r>
-              <a:rPr lang="en-US" altLang="en-US" sz="1400" b="1"/>
-              <a:t>  public:</a:t>
-            </a:r>
-            <a:endParaRPr lang="en-US" altLang="en-US" sz="1400" b="1"/>
-          </a:p>
-          <a:p>
-            <a:pPr marL="285750" indent="-285750">
-              <a:buFont typeface="Arial" panose="02080604020202020204" pitchFamily="34" charset="0"/>
-              <a:buChar char="•"/>
-            </a:pPr>
-            <a:endParaRPr lang="en-US" altLang="en-US" sz="1400" b="1"/>
-          </a:p>
-          <a:p>
-            <a:pPr marL="285750" indent="-285750">
-              <a:buFont typeface="Arial" panose="02080604020202020204" pitchFamily="34" charset="0"/>
-              <a:buChar char="•"/>
-            </a:pPr>
-            <a:r>
-              <a:rPr lang="en-US" altLang="en-US" sz="1400" b="1"/>
-              <a:t>    </a:t>
-            </a:r>
-            <a:endParaRPr lang="en-US" altLang="en-US" sz="1400" b="1"/>
-          </a:p>
-          <a:p>
-            <a:pPr marL="285750" indent="-285750">
-              <a:buFont typeface="Arial" panose="02080604020202020204" pitchFamily="34" charset="0"/>
-              <a:buChar char="•"/>
-            </a:pPr>
-            <a:r>
-              <a:rPr lang="en-US" altLang="en-US" sz="1400" b="1"/>
-              <a:t>  Vektor(size_t s): data(new T[s]),dataSize(s){</a:t>
-            </a:r>
-            <a:endParaRPr lang="en-US" altLang="en-US" sz="1400" b="1"/>
-          </a:p>
-          <a:p>
-            <a:pPr marL="285750" indent="-285750">
-              <a:buFont typeface="Arial" panose="02080604020202020204" pitchFamily="34" charset="0"/>
-              <a:buChar char="•"/>
-            </a:pPr>
-            <a:endParaRPr lang="en-US" altLang="en-US" sz="1400" b="1"/>
-          </a:p>
-          <a:p>
-            <a:pPr marL="285750" indent="-285750">
-              <a:buFont typeface="Arial" panose="02080604020202020204" pitchFamily="34" charset="0"/>
-              <a:buChar char="•"/>
-            </a:pPr>
-            <a:r>
-              <a:rPr lang="en-US" altLang="en-US" sz="1400" b="1"/>
-              <a:t>    for(size_t i=0; i&lt; size(); ++i) data[i]= T();</a:t>
-            </a:r>
-            <a:endParaRPr lang="en-US" altLang="en-US" sz="1400" b="1"/>
-          </a:p>
-          <a:p>
-            <a:pPr marL="285750" indent="-285750">
-              <a:buFont typeface="Arial" panose="02080604020202020204" pitchFamily="34" charset="0"/>
-              <a:buChar char="•"/>
-            </a:pPr>
-            <a:endParaRPr lang="en-US" altLang="en-US" sz="1400" b="1"/>
-          </a:p>
-          <a:p>
-            <a:pPr marL="285750" indent="-285750">
-              <a:buFont typeface="Arial" panose="02080604020202020204" pitchFamily="34" charset="0"/>
-              <a:buChar char="•"/>
-            </a:pPr>
-            <a:r>
-              <a:rPr lang="en-US" altLang="en-US" sz="1400" b="1"/>
-              <a:t>  }</a:t>
-            </a:r>
-            <a:endParaRPr lang="en-US" altLang="en-US" sz="1400" b="1"/>
-          </a:p>
-          <a:p>
-            <a:pPr marL="285750" indent="-285750">
-              <a:buFont typeface="Arial" panose="02080604020202020204" pitchFamily="34" charset="0"/>
-              <a:buChar char="•"/>
-            </a:pPr>
-            <a:r>
-              <a:rPr lang="en-US" altLang="en-US" sz="1400" b="1"/>
-              <a:t>  </a:t>
-            </a:r>
-            <a:endParaRPr lang="en-US" altLang="en-US" sz="1400" b="1"/>
-          </a:p>
-          <a:p>
-            <a:pPr marL="285750" indent="-285750">
-              <a:buFont typeface="Arial" panose="02080604020202020204" pitchFamily="34" charset="0"/>
-              <a:buChar char="•"/>
-            </a:pPr>
-            <a:r>
-              <a:rPr lang="en-US" altLang="en-US" sz="1400" b="1"/>
-              <a:t>  ~Vektor(){</a:t>
-            </a:r>
-            <a:endParaRPr lang="en-US" altLang="en-US" sz="1400" b="1"/>
-          </a:p>
-          <a:p>
-            <a:pPr marL="285750" indent="-285750">
-              <a:buFont typeface="Arial" panose="02080604020202020204" pitchFamily="34" charset="0"/>
-              <a:buChar char="•"/>
-            </a:pPr>
-            <a:r>
-              <a:rPr lang="en-US" altLang="en-US" sz="1400" b="1"/>
-              <a:t>    delete[] data;</a:t>
-            </a:r>
-            <a:endParaRPr lang="en-US" altLang="en-US" sz="1400" b="1"/>
-          </a:p>
-          <a:p>
-            <a:pPr marL="285750" indent="-285750">
-              <a:buFont typeface="Arial" panose="02080604020202020204" pitchFamily="34" charset="0"/>
-              <a:buChar char="•"/>
-            </a:pPr>
-            <a:r>
-              <a:rPr lang="en-US" altLang="en-US" sz="1400" b="1"/>
-              <a:t>  }</a:t>
-            </a:r>
-            <a:endParaRPr lang="en-US" altLang="en-US" sz="1400" b="1"/>
-          </a:p>
-          <a:p>
-            <a:pPr marL="285750" indent="-285750">
-              <a:buFont typeface="Arial" panose="02080604020202020204" pitchFamily="34" charset="0"/>
-              <a:buChar char="•"/>
-            </a:pPr>
-            <a:endParaRPr lang="en-US" altLang="en-US" sz="1400" b="1"/>
-          </a:p>
-        </p:txBody>
-      </p:sp>
-    </p:spTree>
-  </p:cSld>
-  <p:clrMapOvr>
-    <a:masterClrMapping/>
-  </p:clrMapOvr>
-</p:sld>
-</file>
-
-<file path=ppt/slides/slide12.xml><?xml version="1.0" encoding="utf-8"?>
-<p:sld xmlns:a="http://schemas.openxmlformats.org/drawingml/2006/main" xmlns:r="http://schemas.openxmlformats.org/officeDocument/2006/relationships" xmlns:p="http://schemas.openxmlformats.org/presentationml/2006/main">
-  <p:cSld>
-    <p:spTree>
-      <p:nvGrpSpPr>
-        <p:cNvPr id="1" name=""/>
-        <p:cNvGrpSpPr/>
-        <p:nvPr/>
-      </p:nvGrpSpPr>
-      <p:grpSpPr/>
-      <p:sp>
-        <p:nvSpPr>
-          <p:cNvPr id="2" name="Title 1"/>
-          <p:cNvSpPr>
-            <a:spLocks noGrp="1"/>
-          </p:cNvSpPr>
-          <p:nvPr>
-            <p:ph type="title"/>
-          </p:nvPr>
-        </p:nvSpPr>
-        <p:spPr>
-          <a:xfrm>
-            <a:off x="838200" y="-47625"/>
-            <a:ext cx="10515600" cy="1325563"/>
-          </a:xfrm>
-        </p:spPr>
-        <p:txBody>
-          <a:bodyPr/>
-          <a:p>
-            <a:r>
-              <a:rPr lang="en-US" altLang="en-US"/>
-              <a:t>ET Vektor </a:t>
-            </a:r>
-            <a:r>
-              <a:rPr lang="en-US" altLang="en-US">
-                <a:sym typeface="+mn-ea"/>
-              </a:rPr>
-              <a:t>(naiv)</a:t>
-            </a:r>
-            <a:endParaRPr lang="en-US" altLang="en-US"/>
-          </a:p>
-        </p:txBody>
-      </p:sp>
-      <p:cxnSp>
-        <p:nvCxnSpPr>
-          <p:cNvPr id="4" name="Straight Connector 3"/>
-          <p:cNvCxnSpPr/>
-          <p:nvPr/>
-        </p:nvCxnSpPr>
-        <p:spPr>
-          <a:xfrm flipV="1">
-            <a:off x="-18415" y="893445"/>
-            <a:ext cx="12162155" cy="49530"/>
-          </a:xfrm>
-          <a:prstGeom prst="line">
-            <a:avLst/>
-          </a:prstGeom>
-          <a:ln w="25400">
-            <a:solidFill>
-              <a:srgbClr val="C00000"/>
-            </a:solidFill>
-          </a:ln>
-        </p:spPr>
-        <p:style>
-          <a:lnRef idx="1">
-            <a:schemeClr val="accent1"/>
-          </a:lnRef>
-          <a:fillRef idx="0">
-            <a:schemeClr val="accent1"/>
-          </a:fillRef>
-          <a:effectRef idx="0">
-            <a:schemeClr val="accent1"/>
-          </a:effectRef>
-          <a:fontRef idx="minor">
-            <a:schemeClr val="tx1"/>
-          </a:fontRef>
-        </p:style>
-      </p:cxnSp>
-      <p:sp>
-        <p:nvSpPr>
-          <p:cNvPr id="3" name="Text Box 2"/>
-          <p:cNvSpPr txBox="1"/>
-          <p:nvPr/>
-        </p:nvSpPr>
-        <p:spPr>
-          <a:xfrm>
-            <a:off x="302260" y="1059180"/>
-            <a:ext cx="11592560" cy="4615815"/>
-          </a:xfrm>
-          <a:prstGeom prst="rect">
-            <a:avLst/>
-          </a:prstGeom>
-          <a:noFill/>
-        </p:spPr>
-        <p:txBody>
-          <a:bodyPr wrap="square" rtlCol="0">
-            <a:spAutoFit/>
-          </a:bodyPr>
-          <a:p>
-            <a:pPr marL="285750" indent="-285750">
-              <a:buFont typeface="Arial" panose="02080604020202020204" pitchFamily="34" charset="0"/>
-              <a:buChar char="•"/>
-            </a:pPr>
-            <a:r>
-              <a:rPr lang="en-US" altLang="en-US" sz="1400" b="1"/>
-              <a:t>Vektor&amp; operator= (Vektor&lt;T&gt; const&amp; other){</a:t>
-            </a:r>
-            <a:endParaRPr lang="en-US" altLang="en-US" sz="1400" b="1"/>
-          </a:p>
-          <a:p>
-            <a:pPr marL="285750" indent="-285750">
-              <a:buFont typeface="Arial" panose="02080604020202020204" pitchFamily="34" charset="0"/>
-              <a:buChar char="•"/>
-            </a:pPr>
-            <a:r>
-              <a:rPr lang="en-US" altLang="en-US" sz="1400" b="1"/>
-              <a:t>    if ( &amp;other != this){</a:t>
-            </a:r>
-            <a:endParaRPr lang="en-US" altLang="en-US" sz="1400" b="1"/>
-          </a:p>
-          <a:p>
-            <a:pPr marL="285750" indent="-285750">
-              <a:buFont typeface="Arial" panose="02080604020202020204" pitchFamily="34" charset="0"/>
-              <a:buChar char="•"/>
-            </a:pPr>
-            <a:endParaRPr lang="en-US" altLang="en-US" sz="1400" b="1"/>
-          </a:p>
-          <a:p>
-            <a:pPr marL="285750" indent="-285750">
-              <a:buFont typeface="Arial" panose="02080604020202020204" pitchFamily="34" charset="0"/>
-              <a:buChar char="•"/>
-            </a:pPr>
-            <a:r>
-              <a:rPr lang="en-US" altLang="en-US" sz="1400" b="1"/>
-              <a:t>      for (size_t i=0; i&lt;size(); ++i){</a:t>
-            </a:r>
-            <a:endParaRPr lang="en-US" altLang="en-US" sz="1400" b="1"/>
-          </a:p>
-          <a:p>
-            <a:pPr marL="285750" indent="-285750">
-              <a:buFont typeface="Arial" panose="02080604020202020204" pitchFamily="34" charset="0"/>
-              <a:buChar char="•"/>
-            </a:pPr>
-            <a:endParaRPr lang="en-US" altLang="en-US" sz="1400" b="1"/>
-          </a:p>
-          <a:p>
-            <a:pPr marL="285750" indent="-285750">
-              <a:buFont typeface="Arial" panose="02080604020202020204" pitchFamily="34" charset="0"/>
-              <a:buChar char="•"/>
-            </a:pPr>
-            <a:r>
-              <a:rPr lang="en-US" altLang="en-US" sz="1400" b="1"/>
-              <a:t>    data[i]= other.data[i];</a:t>
-            </a:r>
-            <a:endParaRPr lang="en-US" altLang="en-US" sz="1400" b="1"/>
-          </a:p>
-          <a:p>
-            <a:pPr marL="285750" indent="-285750">
-              <a:buFont typeface="Arial" panose="02080604020202020204" pitchFamily="34" charset="0"/>
-              <a:buChar char="•"/>
-            </a:pPr>
-            <a:r>
-              <a:rPr lang="en-US" altLang="en-US" sz="1400" b="1"/>
-              <a:t>      }</a:t>
-            </a:r>
-            <a:endParaRPr lang="en-US" altLang="en-US" sz="1400" b="1"/>
-          </a:p>
-          <a:p>
-            <a:pPr marL="285750" indent="-285750">
-              <a:buFont typeface="Arial" panose="02080604020202020204" pitchFamily="34" charset="0"/>
-              <a:buChar char="•"/>
-            </a:pPr>
-            <a:r>
-              <a:rPr lang="en-US" altLang="en-US" sz="1400" b="1"/>
-              <a:t>    }</a:t>
-            </a:r>
-            <a:endParaRPr lang="en-US" altLang="en-US" sz="1400" b="1"/>
-          </a:p>
-          <a:p>
-            <a:pPr marL="285750" indent="-285750">
-              <a:buFont typeface="Arial" panose="02080604020202020204" pitchFamily="34" charset="0"/>
-              <a:buChar char="•"/>
-            </a:pPr>
-            <a:endParaRPr lang="en-US" altLang="en-US" sz="1400" b="1"/>
-          </a:p>
-          <a:p>
-            <a:pPr marL="285750" indent="-285750">
-              <a:buFont typeface="Arial" panose="02080604020202020204" pitchFamily="34" charset="0"/>
-              <a:buChar char="•"/>
-            </a:pPr>
-            <a:r>
-              <a:rPr lang="en-US" altLang="en-US" sz="1400" b="1"/>
-              <a:t>    return *this;</a:t>
-            </a:r>
-            <a:endParaRPr lang="en-US" altLang="en-US" sz="1400" b="1"/>
-          </a:p>
-          <a:p>
-            <a:pPr marL="285750" indent="-285750">
-              <a:buFont typeface="Arial" panose="02080604020202020204" pitchFamily="34" charset="0"/>
-              <a:buChar char="•"/>
-            </a:pPr>
-            <a:r>
-              <a:rPr lang="en-US" altLang="en-US" sz="1400" b="1"/>
-              <a:t>  }</a:t>
-            </a:r>
-            <a:endParaRPr lang="en-US" altLang="en-US" sz="1400" b="1"/>
-          </a:p>
-          <a:p>
-            <a:pPr marL="285750" indent="-285750">
-              <a:buFont typeface="Arial" panose="02080604020202020204" pitchFamily="34" charset="0"/>
-              <a:buChar char="•"/>
-            </a:pPr>
-            <a:r>
-              <a:rPr lang="en-US" altLang="en-US" sz="1400" b="1"/>
-              <a:t>    </a:t>
-            </a:r>
-            <a:endParaRPr lang="en-US" altLang="en-US" sz="1400" b="1"/>
-          </a:p>
-          <a:p>
-            <a:pPr marL="285750" indent="-285750">
-              <a:buFont typeface="Arial" panose="02080604020202020204" pitchFamily="34" charset="0"/>
-              <a:buChar char="•"/>
-            </a:pPr>
-            <a:r>
-              <a:rPr lang="en-US" altLang="en-US" sz="1400" b="1"/>
-              <a:t>  T operator[] (size_t i) const{</a:t>
-            </a:r>
-            <a:endParaRPr lang="en-US" altLang="en-US" sz="1400" b="1"/>
-          </a:p>
-          <a:p>
-            <a:pPr marL="285750" indent="-285750">
-              <a:buFont typeface="Arial" panose="02080604020202020204" pitchFamily="34" charset="0"/>
-              <a:buChar char="•"/>
-            </a:pPr>
-            <a:endParaRPr lang="en-US" altLang="en-US" sz="1400" b="1"/>
-          </a:p>
-          <a:p>
-            <a:pPr marL="285750" indent="-285750">
-              <a:buFont typeface="Arial" panose="02080604020202020204" pitchFamily="34" charset="0"/>
-              <a:buChar char="•"/>
-            </a:pPr>
-            <a:r>
-              <a:rPr lang="en-US" altLang="en-US" sz="1400" b="1"/>
-              <a:t>    return data[i];</a:t>
-            </a:r>
-            <a:endParaRPr lang="en-US" altLang="en-US" sz="1400" b="1"/>
-          </a:p>
-          <a:p>
-            <a:pPr marL="285750" indent="-285750">
-              <a:buFont typeface="Arial" panose="02080604020202020204" pitchFamily="34" charset="0"/>
-              <a:buChar char="•"/>
-            </a:pPr>
-            <a:r>
-              <a:rPr lang="en-US" altLang="en-US" sz="1400" b="1"/>
-              <a:t>  }</a:t>
-            </a:r>
-            <a:endParaRPr lang="en-US" altLang="en-US" sz="1400" b="1"/>
-          </a:p>
-          <a:p>
-            <a:pPr marL="285750" indent="-285750">
-              <a:buFont typeface="Arial" panose="02080604020202020204" pitchFamily="34" charset="0"/>
-              <a:buChar char="•"/>
-            </a:pPr>
-            <a:r>
-              <a:rPr lang="en-US" altLang="en-US" sz="1400" b="1"/>
-              <a:t>  </a:t>
-            </a:r>
-            <a:endParaRPr lang="en-US" altLang="en-US" sz="1400" b="1"/>
-          </a:p>
-          <a:p>
-            <a:pPr marL="285750" indent="-285750">
-              <a:buFont typeface="Arial" panose="02080604020202020204" pitchFamily="34" charset="0"/>
-              <a:buChar char="•"/>
-            </a:pPr>
-            <a:r>
-              <a:rPr lang="en-US" altLang="en-US" sz="1400" b="1"/>
-              <a:t>  T&amp; operator[] (size_t i){</a:t>
-            </a:r>
-            <a:endParaRPr lang="en-US" altLang="en-US" sz="1400" b="1"/>
-          </a:p>
-          <a:p>
-            <a:pPr marL="285750" indent="-285750">
-              <a:buFont typeface="Arial" panose="02080604020202020204" pitchFamily="34" charset="0"/>
-              <a:buChar char="•"/>
-            </a:pPr>
-            <a:endParaRPr lang="en-US" altLang="en-US" sz="1400" b="1"/>
-          </a:p>
-          <a:p>
-            <a:pPr marL="285750" indent="-285750">
-              <a:buFont typeface="Arial" panose="02080604020202020204" pitchFamily="34" charset="0"/>
-              <a:buChar char="•"/>
-            </a:pPr>
-            <a:r>
-              <a:rPr lang="en-US" altLang="en-US" sz="1400" b="1"/>
-              <a:t>    return data[i];</a:t>
-            </a:r>
-            <a:endParaRPr lang="en-US" altLang="en-US" sz="1400" b="1"/>
-          </a:p>
-          <a:p>
-            <a:pPr marL="285750" indent="-285750">
-              <a:buFont typeface="Arial" panose="02080604020202020204" pitchFamily="34" charset="0"/>
-              <a:buChar char="•"/>
-            </a:pPr>
-            <a:r>
-              <a:rPr lang="en-US" altLang="en-US" sz="1400" b="1"/>
-              <a:t>  }</a:t>
-            </a:r>
-            <a:endParaRPr lang="en-US" altLang="en-US" sz="1400" b="1"/>
-          </a:p>
-        </p:txBody>
-      </p:sp>
-    </p:spTree>
-  </p:cSld>
-  <p:clrMapOvr>
-    <a:masterClrMapping/>
-  </p:clrMapOvr>
-</p:sld>
-</file>
-
-<file path=ppt/slides/slide13.xml><?xml version="1.0" encoding="utf-8"?>
-<p:sld xmlns:a="http://schemas.openxmlformats.org/drawingml/2006/main" xmlns:r="http://schemas.openxmlformats.org/officeDocument/2006/relationships" xmlns:p="http://schemas.openxmlformats.org/presentationml/2006/main">
-  <p:cSld>
-    <p:spTree>
-      <p:nvGrpSpPr>
-        <p:cNvPr id="1" name=""/>
-        <p:cNvGrpSpPr/>
-        <p:nvPr/>
-      </p:nvGrpSpPr>
-      <p:grpSpPr/>
-      <p:sp>
-        <p:nvSpPr>
-          <p:cNvPr id="2" name="Title 1"/>
-          <p:cNvSpPr>
-            <a:spLocks noGrp="1"/>
-          </p:cNvSpPr>
-          <p:nvPr>
-            <p:ph type="title"/>
-          </p:nvPr>
-        </p:nvSpPr>
-        <p:spPr>
-          <a:xfrm>
-            <a:off x="838200" y="-47625"/>
-            <a:ext cx="10515600" cy="1325563"/>
-          </a:xfrm>
-        </p:spPr>
-        <p:txBody>
-          <a:bodyPr/>
-          <a:p>
-            <a:r>
-              <a:rPr lang="en-US" altLang="en-US"/>
-              <a:t>ET Vektor </a:t>
-            </a:r>
-            <a:r>
-              <a:rPr lang="en-US" altLang="en-US">
-                <a:sym typeface="+mn-ea"/>
-              </a:rPr>
-              <a:t>(naiv)</a:t>
-            </a:r>
-            <a:endParaRPr lang="en-US" altLang="en-US"/>
-          </a:p>
-        </p:txBody>
-      </p:sp>
-      <p:cxnSp>
-        <p:nvCxnSpPr>
-          <p:cNvPr id="4" name="Straight Connector 3"/>
-          <p:cNvCxnSpPr/>
-          <p:nvPr/>
-        </p:nvCxnSpPr>
-        <p:spPr>
-          <a:xfrm flipV="1">
-            <a:off x="-18415" y="893445"/>
-            <a:ext cx="12162155" cy="49530"/>
-          </a:xfrm>
-          <a:prstGeom prst="line">
-            <a:avLst/>
-          </a:prstGeom>
-          <a:ln w="25400">
-            <a:solidFill>
-              <a:srgbClr val="C00000"/>
-            </a:solidFill>
-          </a:ln>
-        </p:spPr>
-        <p:style>
-          <a:lnRef idx="1">
-            <a:schemeClr val="accent1"/>
-          </a:lnRef>
-          <a:fillRef idx="0">
-            <a:schemeClr val="accent1"/>
-          </a:fillRef>
-          <a:effectRef idx="0">
-            <a:schemeClr val="accent1"/>
-          </a:effectRef>
-          <a:fontRef idx="minor">
-            <a:schemeClr val="tx1"/>
-          </a:fontRef>
-        </p:style>
-      </p:cxnSp>
-      <p:sp>
-        <p:nvSpPr>
-          <p:cNvPr id="3" name="Text Box 2"/>
-          <p:cNvSpPr txBox="1"/>
-          <p:nvPr/>
-        </p:nvSpPr>
-        <p:spPr>
-          <a:xfrm>
-            <a:off x="302260" y="1059180"/>
-            <a:ext cx="11592560" cy="2461260"/>
-          </a:xfrm>
-          <a:prstGeom prst="rect">
-            <a:avLst/>
-          </a:prstGeom>
-          <a:noFill/>
-        </p:spPr>
-        <p:txBody>
-          <a:bodyPr wrap="square" rtlCol="0">
-            <a:spAutoFit/>
-          </a:bodyPr>
-          <a:p>
-            <a:pPr marL="285750" indent="-285750">
-              <a:buFont typeface="Arial" panose="02080604020202020204" pitchFamily="34" charset="0"/>
-              <a:buChar char="•"/>
-            </a:pPr>
-            <a:r>
-              <a:rPr lang="en-US" altLang="en-US" sz="1400" b="1"/>
-              <a:t>  size_t size() const{</a:t>
-            </a:r>
-            <a:endParaRPr lang="en-US" altLang="en-US" sz="1400" b="1"/>
-          </a:p>
-          <a:p>
-            <a:pPr marL="285750" indent="-285750">
-              <a:buFont typeface="Arial" panose="02080604020202020204" pitchFamily="34" charset="0"/>
-              <a:buChar char="•"/>
-            </a:pPr>
-            <a:endParaRPr lang="en-US" altLang="en-US" sz="1400" b="1"/>
-          </a:p>
-          <a:p>
-            <a:pPr marL="285750" indent="-285750">
-              <a:buFont typeface="Arial" panose="02080604020202020204" pitchFamily="34" charset="0"/>
-              <a:buChar char="•"/>
-            </a:pPr>
-            <a:r>
-              <a:rPr lang="en-US" altLang="en-US" sz="1400" b="1"/>
-              <a:t>    return dataSize; </a:t>
-            </a:r>
-            <a:endParaRPr lang="en-US" altLang="en-US" sz="1400" b="1"/>
-          </a:p>
-          <a:p>
-            <a:pPr marL="285750" indent="-285750">
-              <a:buFont typeface="Arial" panose="02080604020202020204" pitchFamily="34" charset="0"/>
-              <a:buChar char="•"/>
-            </a:pPr>
-            <a:r>
-              <a:rPr lang="en-US" altLang="en-US" sz="1400" b="1"/>
-              <a:t>  }</a:t>
-            </a:r>
-            <a:endParaRPr lang="en-US" altLang="en-US" sz="1400" b="1"/>
-          </a:p>
-          <a:p>
-            <a:pPr marL="285750" indent="-285750">
-              <a:buFont typeface="Arial" panose="02080604020202020204" pitchFamily="34" charset="0"/>
-              <a:buChar char="•"/>
-            </a:pPr>
-            <a:r>
-              <a:rPr lang="en-US" altLang="en-US" sz="1400" b="1"/>
-              <a:t>  </a:t>
-            </a:r>
-            <a:endParaRPr lang="en-US" altLang="en-US" sz="1400" b="1"/>
-          </a:p>
-          <a:p>
-            <a:pPr marL="285750" indent="-285750">
-              <a:buFont typeface="Arial" panose="02080604020202020204" pitchFamily="34" charset="0"/>
-              <a:buChar char="•"/>
-            </a:pPr>
-            <a:r>
-              <a:rPr lang="en-US" altLang="en-US" sz="1400" b="1"/>
-              <a:t>  private:</a:t>
-            </a:r>
-            <a:endParaRPr lang="en-US" altLang="en-US" sz="1400" b="1"/>
-          </a:p>
-          <a:p>
-            <a:pPr marL="285750" indent="-285750">
-              <a:buFont typeface="Arial" panose="02080604020202020204" pitchFamily="34" charset="0"/>
-              <a:buChar char="•"/>
-            </a:pPr>
-            <a:r>
-              <a:rPr lang="en-US" altLang="en-US" sz="1400" b="1"/>
-              <a:t>   </a:t>
-            </a:r>
-            <a:endParaRPr lang="en-US" altLang="en-US" sz="1400" b="1"/>
-          </a:p>
-          <a:p>
-            <a:pPr marL="285750" indent="-285750">
-              <a:buFont typeface="Arial" panose="02080604020202020204" pitchFamily="34" charset="0"/>
-              <a:buChar char="•"/>
-            </a:pPr>
-            <a:r>
-              <a:rPr lang="en-US" altLang="en-US" sz="1400" b="1"/>
-              <a:t>    T* data;</a:t>
-            </a:r>
-            <a:endParaRPr lang="en-US" altLang="en-US" sz="1400" b="1"/>
-          </a:p>
-          <a:p>
-            <a:pPr marL="285750" indent="-285750">
-              <a:buFont typeface="Arial" panose="02080604020202020204" pitchFamily="34" charset="0"/>
-              <a:buChar char="•"/>
-            </a:pPr>
-            <a:endParaRPr lang="en-US" altLang="en-US" sz="1400" b="1"/>
-          </a:p>
-          <a:p>
-            <a:pPr marL="285750" indent="-285750">
-              <a:buFont typeface="Arial" panose="02080604020202020204" pitchFamily="34" charset="0"/>
-              <a:buChar char="•"/>
-            </a:pPr>
-            <a:r>
-              <a:rPr lang="en-US" altLang="en-US" sz="1400" b="1"/>
-              <a:t>    size_t dataSize;</a:t>
-            </a:r>
-            <a:endParaRPr lang="en-US" altLang="en-US" sz="1400" b="1"/>
-          </a:p>
-          <a:p>
-            <a:pPr marL="285750" indent="-285750">
-              <a:buFont typeface="Arial" panose="02080604020202020204" pitchFamily="34" charset="0"/>
-              <a:buChar char="•"/>
-            </a:pPr>
-            <a:r>
-              <a:rPr lang="en-US" altLang="en-US" sz="1400" b="1"/>
-              <a:t>};</a:t>
-            </a:r>
-            <a:endParaRPr lang="en-US" altLang="en-US" sz="1400" b="1"/>
-          </a:p>
-        </p:txBody>
-      </p:sp>
-    </p:spTree>
-  </p:cSld>
-  <p:clrMapOvr>
-    <a:masterClrMapping/>
-  </p:clrMapOvr>
-</p:sld>
-</file>
-
-<file path=ppt/slides/slide14.xml><?xml version="1.0" encoding="utf-8"?>
-<p:sld xmlns:a="http://schemas.openxmlformats.org/drawingml/2006/main" xmlns:r="http://schemas.openxmlformats.org/officeDocument/2006/relationships" xmlns:p="http://schemas.openxmlformats.org/presentationml/2006/main">
-  <p:cSld>
-    <p:spTree>
-      <p:nvGrpSpPr>
-        <p:cNvPr id="1" name=""/>
-        <p:cNvGrpSpPr/>
-        <p:nvPr/>
-      </p:nvGrpSpPr>
-      <p:grpSpPr/>
-      <p:sp>
-        <p:nvSpPr>
-          <p:cNvPr id="2" name="Title 1"/>
-          <p:cNvSpPr>
-            <a:spLocks noGrp="1"/>
-          </p:cNvSpPr>
-          <p:nvPr>
-            <p:ph type="title"/>
-          </p:nvPr>
-        </p:nvSpPr>
-        <p:spPr>
-          <a:xfrm>
-            <a:off x="838200" y="-47625"/>
-            <a:ext cx="10515600" cy="1325563"/>
-          </a:xfrm>
-        </p:spPr>
-        <p:txBody>
-          <a:bodyPr/>
-          <a:p>
-            <a:r>
-              <a:rPr lang="en-US" altLang="en-US"/>
-              <a:t>ET Arithmetik </a:t>
-            </a:r>
-            <a:r>
-              <a:rPr lang="en-US" altLang="en-US">
-                <a:sym typeface="+mn-ea"/>
-              </a:rPr>
-              <a:t>(naiv)</a:t>
-            </a:r>
-            <a:endParaRPr lang="en-US" altLang="en-US"/>
-          </a:p>
-        </p:txBody>
-      </p:sp>
-      <p:cxnSp>
-        <p:nvCxnSpPr>
-          <p:cNvPr id="4" name="Straight Connector 3"/>
-          <p:cNvCxnSpPr/>
-          <p:nvPr/>
-        </p:nvCxnSpPr>
-        <p:spPr>
-          <a:xfrm flipV="1">
-            <a:off x="-18415" y="893445"/>
-            <a:ext cx="12162155" cy="49530"/>
-          </a:xfrm>
-          <a:prstGeom prst="line">
-            <a:avLst/>
-          </a:prstGeom>
-          <a:ln w="25400">
-            <a:solidFill>
-              <a:srgbClr val="C00000"/>
-            </a:solidFill>
-          </a:ln>
-        </p:spPr>
-        <p:style>
-          <a:lnRef idx="1">
-            <a:schemeClr val="accent1"/>
-          </a:lnRef>
-          <a:fillRef idx="0">
-            <a:schemeClr val="accent1"/>
-          </a:fillRef>
-          <a:effectRef idx="0">
-            <a:schemeClr val="accent1"/>
-          </a:effectRef>
-          <a:fontRef idx="minor">
-            <a:schemeClr val="tx1"/>
-          </a:fontRef>
-        </p:style>
-      </p:cxnSp>
-      <p:sp>
-        <p:nvSpPr>
-          <p:cNvPr id="3" name="Text Box 2"/>
-          <p:cNvSpPr txBox="1"/>
-          <p:nvPr/>
-        </p:nvSpPr>
-        <p:spPr>
-          <a:xfrm>
-            <a:off x="302260" y="1059180"/>
-            <a:ext cx="11592560" cy="5477510"/>
-          </a:xfrm>
-          <a:prstGeom prst="rect">
-            <a:avLst/>
-          </a:prstGeom>
-          <a:noFill/>
-        </p:spPr>
-        <p:txBody>
-          <a:bodyPr wrap="square" rtlCol="0">
-            <a:spAutoFit/>
-          </a:bodyPr>
-          <a:p>
-            <a:pPr marL="285750" indent="-285750">
-              <a:buFont typeface="Arial" panose="02080604020202020204" pitchFamily="34" charset="0"/>
-              <a:buChar char="•"/>
-            </a:pPr>
-            <a:r>
-              <a:rPr lang="en-US" altLang="en-US" sz="1400" b="1"/>
-              <a:t>template &lt;typename T&gt;</a:t>
-            </a:r>
-            <a:endParaRPr lang="en-US" altLang="en-US" sz="1400" b="1"/>
-          </a:p>
-          <a:p>
-            <a:pPr marL="285750" indent="-285750">
-              <a:buFont typeface="Arial" panose="02080604020202020204" pitchFamily="34" charset="0"/>
-              <a:buChar char="•"/>
-            </a:pPr>
-            <a:endParaRPr lang="en-US" altLang="en-US" sz="1400" b="1"/>
-          </a:p>
-          <a:p>
-            <a:pPr marL="285750" indent="-285750">
-              <a:buFont typeface="Arial" panose="02080604020202020204" pitchFamily="34" charset="0"/>
-              <a:buChar char="•"/>
-            </a:pPr>
-            <a:r>
-              <a:rPr lang="en-US" altLang="en-US" sz="1400" b="1"/>
-              <a:t>Vektor&lt;T&gt; operator+ (Vektor&lt;T&gt; const&amp; a, Vektor&lt;T&gt; const&amp; b){</a:t>
-            </a:r>
-            <a:endParaRPr lang="en-US" altLang="en-US" sz="1400" b="1"/>
-          </a:p>
-          <a:p>
-            <a:pPr marL="285750" indent="-285750">
-              <a:buFont typeface="Arial" panose="02080604020202020204" pitchFamily="34" charset="0"/>
-              <a:buChar char="•"/>
-            </a:pPr>
-            <a:endParaRPr lang="en-US" altLang="en-US" sz="1400" b="1"/>
-          </a:p>
-          <a:p>
-            <a:pPr marL="285750" indent="-285750">
-              <a:buFont typeface="Arial" panose="02080604020202020204" pitchFamily="34" charset="0"/>
-              <a:buChar char="•"/>
-            </a:pPr>
-            <a:r>
-              <a:rPr lang="en-US" altLang="en-US" sz="1400" b="1"/>
-              <a:t>  Vektor&lt;T&gt; res(a.size());</a:t>
-            </a:r>
-            <a:endParaRPr lang="en-US" altLang="en-US" sz="1400" b="1"/>
-          </a:p>
-          <a:p>
-            <a:pPr marL="285750" indent="-285750">
-              <a:buFont typeface="Arial" panose="02080604020202020204" pitchFamily="34" charset="0"/>
-              <a:buChar char="•"/>
-            </a:pPr>
-            <a:r>
-              <a:rPr lang="en-US" altLang="en-US" sz="1400" b="1"/>
-              <a:t>  for (size_t i=0; i &lt; a.size(); ++i){</a:t>
-            </a:r>
-            <a:endParaRPr lang="en-US" altLang="en-US" sz="1400" b="1"/>
-          </a:p>
-          <a:p>
-            <a:pPr marL="285750" indent="-285750">
-              <a:buFont typeface="Arial" panose="02080604020202020204" pitchFamily="34" charset="0"/>
-              <a:buChar char="•"/>
-            </a:pPr>
-            <a:endParaRPr lang="en-US" altLang="en-US" sz="1400" b="1"/>
-          </a:p>
-          <a:p>
-            <a:pPr marL="285750" indent="-285750">
-              <a:buFont typeface="Arial" panose="02080604020202020204" pitchFamily="34" charset="0"/>
-              <a:buChar char="•"/>
-            </a:pPr>
-            <a:r>
-              <a:rPr lang="en-US" altLang="en-US" sz="1400" b="1"/>
-              <a:t>    res[i]= a[i] + b[i];</a:t>
-            </a:r>
-            <a:endParaRPr lang="en-US" altLang="en-US" sz="1400" b="1"/>
-          </a:p>
-          <a:p>
-            <a:pPr marL="285750" indent="-285750">
-              <a:buFont typeface="Arial" panose="02080604020202020204" pitchFamily="34" charset="0"/>
-              <a:buChar char="•"/>
-            </a:pPr>
-            <a:endParaRPr lang="en-US" altLang="en-US" sz="1400" b="1"/>
-          </a:p>
-          <a:p>
-            <a:pPr marL="285750" indent="-285750">
-              <a:buFont typeface="Arial" panose="02080604020202020204" pitchFamily="34" charset="0"/>
-              <a:buChar char="•"/>
-            </a:pPr>
-            <a:r>
-              <a:rPr lang="en-US" altLang="en-US" sz="1400" b="1"/>
-              <a:t>  }</a:t>
-            </a:r>
-            <a:endParaRPr lang="en-US" altLang="en-US" sz="1400" b="1"/>
-          </a:p>
-          <a:p>
-            <a:pPr marL="285750" indent="-285750">
-              <a:buFont typeface="Arial" panose="02080604020202020204" pitchFamily="34" charset="0"/>
-              <a:buChar char="•"/>
-            </a:pPr>
-            <a:r>
-              <a:rPr lang="en-US" altLang="en-US" sz="1400" b="1"/>
-              <a:t>  return res;</a:t>
-            </a:r>
-            <a:endParaRPr lang="en-US" altLang="en-US" sz="1400" b="1"/>
-          </a:p>
-          <a:p>
-            <a:pPr marL="285750" indent="-285750">
-              <a:buFont typeface="Arial" panose="02080604020202020204" pitchFamily="34" charset="0"/>
-              <a:buChar char="•"/>
-            </a:pPr>
-            <a:r>
-              <a:rPr lang="en-US" altLang="en-US" sz="1400" b="1"/>
-              <a:t>}</a:t>
-            </a:r>
-            <a:endParaRPr lang="en-US" altLang="en-US" sz="1400" b="1"/>
-          </a:p>
-          <a:p>
-            <a:pPr marL="285750" indent="-285750">
-              <a:buFont typeface="Arial" panose="02080604020202020204" pitchFamily="34" charset="0"/>
-              <a:buChar char="•"/>
-            </a:pPr>
-            <a:endParaRPr lang="en-US" altLang="en-US" sz="1400" b="1"/>
-          </a:p>
-          <a:p>
-            <a:pPr marL="285750" indent="-285750">
-              <a:buFont typeface="Arial" panose="02080604020202020204" pitchFamily="34" charset="0"/>
-              <a:buChar char="•"/>
-            </a:pPr>
-            <a:r>
-              <a:rPr lang="en-US" altLang="en-US" sz="1400" b="1"/>
-              <a:t>template &lt;typename T&gt;</a:t>
-            </a:r>
-            <a:endParaRPr lang="en-US" altLang="en-US" sz="1400" b="1"/>
-          </a:p>
-          <a:p>
-            <a:pPr marL="285750" indent="-285750">
-              <a:buFont typeface="Arial" panose="02080604020202020204" pitchFamily="34" charset="0"/>
-              <a:buChar char="•"/>
-            </a:pPr>
-            <a:endParaRPr lang="en-US" altLang="en-US" sz="1400" b="1"/>
-          </a:p>
-          <a:p>
-            <a:pPr marL="285750" indent="-285750">
-              <a:buFont typeface="Arial" panose="02080604020202020204" pitchFamily="34" charset="0"/>
-              <a:buChar char="•"/>
-            </a:pPr>
-            <a:r>
-              <a:rPr lang="en-US" altLang="en-US" sz="1400" b="1"/>
-              <a:t>Vektor&lt;T&gt; operator* (Vektor&lt;T&gt; const&amp; a, Vektor&lt;T&gt; const&amp; b){</a:t>
-            </a:r>
-            <a:endParaRPr lang="en-US" altLang="en-US" sz="1400" b="1"/>
-          </a:p>
-          <a:p>
-            <a:pPr marL="285750" indent="-285750">
-              <a:buFont typeface="Arial" panose="02080604020202020204" pitchFamily="34" charset="0"/>
-              <a:buChar char="•"/>
-            </a:pPr>
-            <a:endParaRPr lang="en-US" altLang="en-US" sz="1400" b="1"/>
-          </a:p>
-          <a:p>
-            <a:pPr marL="285750" indent="-285750">
-              <a:buFont typeface="Arial" panose="02080604020202020204" pitchFamily="34" charset="0"/>
-              <a:buChar char="•"/>
-            </a:pPr>
-            <a:r>
-              <a:rPr lang="en-US" altLang="en-US" sz="1400" b="1"/>
-              <a:t>  Vektor&lt;T&gt; res(a.size());</a:t>
-            </a:r>
-            <a:endParaRPr lang="en-US" altLang="en-US" sz="1400" b="1"/>
-          </a:p>
-          <a:p>
-            <a:pPr marL="285750" indent="-285750">
-              <a:buFont typeface="Arial" panose="02080604020202020204" pitchFamily="34" charset="0"/>
-              <a:buChar char="•"/>
-            </a:pPr>
-            <a:r>
-              <a:rPr lang="en-US" altLang="en-US" sz="1400" b="1"/>
-              <a:t>  for (size_t i=0; i &lt; a.size(); ++i){</a:t>
-            </a:r>
-            <a:endParaRPr lang="en-US" altLang="en-US" sz="1400" b="1"/>
-          </a:p>
-          <a:p>
-            <a:pPr marL="285750" indent="-285750">
-              <a:buFont typeface="Arial" panose="02080604020202020204" pitchFamily="34" charset="0"/>
-              <a:buChar char="•"/>
-            </a:pPr>
-            <a:endParaRPr lang="en-US" altLang="en-US" sz="1400" b="1"/>
-          </a:p>
-          <a:p>
-            <a:pPr marL="285750" indent="-285750">
-              <a:buFont typeface="Arial" panose="02080604020202020204" pitchFamily="34" charset="0"/>
-              <a:buChar char="•"/>
-            </a:pPr>
-            <a:r>
-              <a:rPr lang="en-US" altLang="en-US" sz="1400" b="1"/>
-              <a:t>     res[i]= a[i] * b[i];</a:t>
-            </a:r>
-            <a:endParaRPr lang="en-US" altLang="en-US" sz="1400" b="1"/>
-          </a:p>
-          <a:p>
-            <a:pPr marL="285750" indent="-285750">
-              <a:buFont typeface="Arial" panose="02080604020202020204" pitchFamily="34" charset="0"/>
-              <a:buChar char="•"/>
-            </a:pPr>
-            <a:endParaRPr lang="en-US" altLang="en-US" sz="1400" b="1"/>
-          </a:p>
-          <a:p>
-            <a:pPr marL="285750" indent="-285750">
-              <a:buFont typeface="Arial" panose="02080604020202020204" pitchFamily="34" charset="0"/>
-              <a:buChar char="•"/>
-            </a:pPr>
-            <a:r>
-              <a:rPr lang="en-US" altLang="en-US" sz="1400" b="1"/>
-              <a:t>  }</a:t>
-            </a:r>
-            <a:endParaRPr lang="en-US" altLang="en-US" sz="1400" b="1"/>
-          </a:p>
-          <a:p>
-            <a:pPr marL="285750" indent="-285750">
-              <a:buFont typeface="Arial" panose="02080604020202020204" pitchFamily="34" charset="0"/>
-              <a:buChar char="•"/>
-            </a:pPr>
-            <a:r>
-              <a:rPr lang="en-US" altLang="en-US" sz="1400" b="1"/>
-              <a:t>  return res;</a:t>
-            </a:r>
-            <a:endParaRPr lang="en-US" altLang="en-US" sz="1400" b="1"/>
-          </a:p>
-          <a:p>
-            <a:pPr marL="285750" indent="-285750">
-              <a:buFont typeface="Arial" panose="02080604020202020204" pitchFamily="34" charset="0"/>
-              <a:buChar char="•"/>
-            </a:pPr>
-            <a:r>
-              <a:rPr lang="en-US" altLang="en-US" sz="1400" b="1"/>
-              <a:t>} </a:t>
-            </a:r>
-            <a:endParaRPr lang="en-US" altLang="en-US" sz="1400" b="1"/>
-          </a:p>
-        </p:txBody>
-      </p:sp>
-    </p:spTree>
-  </p:cSld>
-  <p:clrMapOvr>
-    <a:masterClrMapping/>
-  </p:clrMapOvr>
-</p:sld>
-</file>
-
-<file path=ppt/slides/slide15.xml><?xml version="1.0" encoding="utf-8"?>
-<p:sld xmlns:a="http://schemas.openxmlformats.org/drawingml/2006/main" xmlns:r="http://schemas.openxmlformats.org/officeDocument/2006/relationships" xmlns:p="http://schemas.openxmlformats.org/presentationml/2006/main">
-  <p:cSld>
-    <p:spTree>
-      <p:nvGrpSpPr>
-        <p:cNvPr id="1" name=""/>
-        <p:cNvGrpSpPr/>
-        <p:nvPr/>
-      </p:nvGrpSpPr>
-      <p:grpSpPr/>
-      <p:sp>
-        <p:nvSpPr>
-          <p:cNvPr id="2" name="Title 1"/>
-          <p:cNvSpPr>
-            <a:spLocks noGrp="1"/>
-          </p:cNvSpPr>
-          <p:nvPr>
-            <p:ph type="title"/>
-          </p:nvPr>
-        </p:nvSpPr>
-        <p:spPr>
-          <a:xfrm>
-            <a:off x="838200" y="-47625"/>
-            <a:ext cx="10515600" cy="1325563"/>
-          </a:xfrm>
-        </p:spPr>
-        <p:txBody>
-          <a:bodyPr/>
-          <a:p>
-            <a:r>
-              <a:rPr lang="en-US" altLang="en-US"/>
-              <a:t>ET Vektor korrekt</a:t>
-            </a:r>
-            <a:endParaRPr lang="en-US" altLang="en-US"/>
-          </a:p>
-        </p:txBody>
-      </p:sp>
-      <p:cxnSp>
-        <p:nvCxnSpPr>
-          <p:cNvPr id="4" name="Straight Connector 3"/>
-          <p:cNvCxnSpPr/>
-          <p:nvPr/>
-        </p:nvCxnSpPr>
-        <p:spPr>
-          <a:xfrm flipV="1">
-            <a:off x="-18415" y="893445"/>
-            <a:ext cx="12162155" cy="49530"/>
-          </a:xfrm>
-          <a:prstGeom prst="line">
-            <a:avLst/>
-          </a:prstGeom>
-          <a:ln w="25400">
-            <a:solidFill>
-              <a:srgbClr val="C00000"/>
-            </a:solidFill>
-          </a:ln>
-        </p:spPr>
-        <p:style>
-          <a:lnRef idx="1">
-            <a:schemeClr val="accent1"/>
-          </a:lnRef>
-          <a:fillRef idx="0">
-            <a:schemeClr val="accent1"/>
-          </a:fillRef>
-          <a:effectRef idx="0">
-            <a:schemeClr val="accent1"/>
-          </a:effectRef>
-          <a:fontRef idx="minor">
-            <a:schemeClr val="tx1"/>
-          </a:fontRef>
-        </p:style>
-      </p:cxnSp>
-      <p:sp>
-        <p:nvSpPr>
-          <p:cNvPr id="3" name="Text Box 2"/>
-          <p:cNvSpPr txBox="1"/>
-          <p:nvPr/>
-        </p:nvSpPr>
-        <p:spPr>
-          <a:xfrm>
-            <a:off x="302260" y="1059180"/>
-            <a:ext cx="11592560" cy="3538220"/>
-          </a:xfrm>
-          <a:prstGeom prst="rect">
-            <a:avLst/>
-          </a:prstGeom>
-          <a:noFill/>
-        </p:spPr>
-        <p:txBody>
-          <a:bodyPr wrap="square" rtlCol="0">
-            <a:spAutoFit/>
-          </a:bodyPr>
-          <a:p>
-            <a:pPr marL="285750" indent="-285750">
-              <a:buFont typeface="Arial" panose="02080604020202020204" pitchFamily="34" charset="0"/>
-              <a:buChar char="•"/>
-            </a:pPr>
-            <a:r>
-              <a:rPr lang="en-US" altLang="en-US" sz="1400" b="1"/>
-              <a:t>template &lt;typename T&gt;</a:t>
-            </a:r>
-            <a:endParaRPr lang="en-US" altLang="en-US" sz="1400" b="1"/>
-          </a:p>
-          <a:p>
-            <a:pPr marL="285750" indent="-285750">
-              <a:buFont typeface="Arial" panose="02080604020202020204" pitchFamily="34" charset="0"/>
-              <a:buChar char="•"/>
-            </a:pPr>
-            <a:r>
-              <a:rPr lang="en-US" altLang="en-US" sz="1400" b="1"/>
-              <a:t>class VektorExpression{</a:t>
-            </a:r>
-            <a:endParaRPr lang="en-US" altLang="en-US" sz="1400" b="1"/>
-          </a:p>
-          <a:p>
-            <a:pPr marL="285750" indent="-285750">
-              <a:buFont typeface="Arial" panose="02080604020202020204" pitchFamily="34" charset="0"/>
-              <a:buChar char="•"/>
-            </a:pPr>
-            <a:endParaRPr lang="en-US" altLang="en-US" sz="1400" b="1"/>
-          </a:p>
-          <a:p>
-            <a:pPr marL="285750" indent="-285750">
-              <a:buFont typeface="Arial" panose="02080604020202020204" pitchFamily="34" charset="0"/>
-              <a:buChar char="•"/>
-            </a:pPr>
-            <a:r>
-              <a:rPr lang="en-US" altLang="en-US" sz="1400" b="1"/>
-              <a:t>  public:</a:t>
-            </a:r>
-            <a:endParaRPr lang="en-US" altLang="en-US" sz="1400" b="1"/>
-          </a:p>
-          <a:p>
-            <a:pPr marL="285750" indent="-285750">
-              <a:buFont typeface="Arial" panose="02080604020202020204" pitchFamily="34" charset="0"/>
-              <a:buChar char="•"/>
-            </a:pPr>
-            <a:r>
-              <a:rPr lang="en-US" altLang="en-US" sz="1400" b="1"/>
-              <a:t>  </a:t>
-            </a:r>
-            <a:endParaRPr lang="en-US" altLang="en-US" sz="1400" b="1"/>
-          </a:p>
-          <a:p>
-            <a:pPr marL="285750" indent="-285750">
-              <a:buFont typeface="Arial" panose="02080604020202020204" pitchFamily="34" charset="0"/>
-              <a:buChar char="•"/>
-            </a:pPr>
-            <a:r>
-              <a:rPr lang="en-US" altLang="en-US" sz="1400" b="1"/>
-              <a:t>  typedef T ElementType; </a:t>
-            </a:r>
-            <a:endParaRPr lang="en-US" altLang="en-US" sz="1400" b="1"/>
-          </a:p>
-          <a:p>
-            <a:pPr marL="285750" indent="-285750">
-              <a:buFont typeface="Arial" panose="02080604020202020204" pitchFamily="34" charset="0"/>
-              <a:buChar char="•"/>
-            </a:pPr>
-            <a:r>
-              <a:rPr lang="en-US" altLang="en-US" sz="1400" b="1"/>
-              <a:t>  </a:t>
-            </a:r>
-            <a:endParaRPr lang="en-US" altLang="en-US" sz="1400" b="1"/>
-          </a:p>
-          <a:p>
-            <a:pPr marL="285750" indent="-285750">
-              <a:buFont typeface="Arial" panose="02080604020202020204" pitchFamily="34" charset="0"/>
-              <a:buChar char="•"/>
-            </a:pPr>
-            <a:r>
-              <a:rPr lang="en-US" altLang="en-US" sz="1400" b="1"/>
-              <a:t>  VektorExpression(size_t s): data(new T[s]),dataSize(s){</a:t>
-            </a:r>
-            <a:endParaRPr lang="en-US" altLang="en-US" sz="1400" b="1"/>
-          </a:p>
-          <a:p>
-            <a:pPr marL="285750" indent="-285750">
-              <a:buFont typeface="Arial" panose="02080604020202020204" pitchFamily="34" charset="0"/>
-              <a:buChar char="•"/>
-            </a:pPr>
-            <a:endParaRPr lang="en-US" altLang="en-US" sz="1400" b="1"/>
-          </a:p>
-          <a:p>
-            <a:pPr marL="285750" indent="-285750">
-              <a:buFont typeface="Arial" panose="02080604020202020204" pitchFamily="34" charset="0"/>
-              <a:buChar char="•"/>
-            </a:pPr>
-            <a:r>
-              <a:rPr lang="en-US" altLang="en-US" sz="1400" b="1"/>
-              <a:t>    for(size_t i=0; i&lt; size(); ++i) data[i]= T();</a:t>
-            </a:r>
-            <a:endParaRPr lang="en-US" altLang="en-US" sz="1400" b="1"/>
-          </a:p>
-          <a:p>
-            <a:pPr marL="285750" indent="-285750">
-              <a:buFont typeface="Arial" panose="02080604020202020204" pitchFamily="34" charset="0"/>
-              <a:buChar char="•"/>
-            </a:pPr>
-            <a:endParaRPr lang="en-US" altLang="en-US" sz="1400" b="1"/>
-          </a:p>
-          <a:p>
-            <a:pPr marL="285750" indent="-285750">
-              <a:buFont typeface="Arial" panose="02080604020202020204" pitchFamily="34" charset="0"/>
-              <a:buChar char="•"/>
-            </a:pPr>
-            <a:r>
-              <a:rPr lang="en-US" altLang="en-US" sz="1400" b="1"/>
-              <a:t>  }</a:t>
-            </a:r>
-            <a:endParaRPr lang="en-US" altLang="en-US" sz="1400" b="1"/>
-          </a:p>
-          <a:p>
-            <a:pPr marL="285750" indent="-285750">
-              <a:buFont typeface="Arial" panose="02080604020202020204" pitchFamily="34" charset="0"/>
-              <a:buChar char="•"/>
-            </a:pPr>
-            <a:r>
-              <a:rPr lang="en-US" altLang="en-US" sz="1400" b="1"/>
-              <a:t>  </a:t>
-            </a:r>
-            <a:endParaRPr lang="en-US" altLang="en-US" sz="1400" b="1"/>
-          </a:p>
-          <a:p>
-            <a:pPr marL="285750" indent="-285750">
-              <a:buFont typeface="Arial" panose="02080604020202020204" pitchFamily="34" charset="0"/>
-              <a:buChar char="•"/>
-            </a:pPr>
-            <a:r>
-              <a:rPr lang="en-US" altLang="en-US" sz="1400" b="1"/>
-              <a:t>  ~VektorExpression(){</a:t>
-            </a:r>
-            <a:endParaRPr lang="en-US" altLang="en-US" sz="1400" b="1"/>
-          </a:p>
-          <a:p>
-            <a:pPr marL="285750" indent="-285750">
-              <a:buFont typeface="Arial" panose="02080604020202020204" pitchFamily="34" charset="0"/>
-              <a:buChar char="•"/>
-            </a:pPr>
-            <a:r>
-              <a:rPr lang="en-US" altLang="en-US" sz="1400" b="1"/>
-              <a:t>    delete[] data;</a:t>
-            </a:r>
-            <a:endParaRPr lang="en-US" altLang="en-US" sz="1400" b="1"/>
-          </a:p>
-          <a:p>
-            <a:pPr marL="285750" indent="-285750">
-              <a:buFont typeface="Arial" panose="02080604020202020204" pitchFamily="34" charset="0"/>
-              <a:buChar char="•"/>
-            </a:pPr>
-            <a:r>
-              <a:rPr lang="en-US" altLang="en-US" sz="1400" b="1"/>
-              <a:t>  } </a:t>
-            </a:r>
-            <a:endParaRPr lang="en-US" altLang="en-US" sz="1400" b="1"/>
-          </a:p>
-        </p:txBody>
-      </p:sp>
-    </p:spTree>
-  </p:cSld>
-  <p:clrMapOvr>
-    <a:masterClrMapping/>
-  </p:clrMapOvr>
-</p:sld>
-</file>
-
-<file path=ppt/slides/slide16.xml><?xml version="1.0" encoding="utf-8"?>
-<p:sld xmlns:a="http://schemas.openxmlformats.org/drawingml/2006/main" xmlns:r="http://schemas.openxmlformats.org/officeDocument/2006/relationships" xmlns:p="http://schemas.openxmlformats.org/presentationml/2006/main">
-  <p:cSld>
-    <p:spTree>
-      <p:nvGrpSpPr>
-        <p:cNvPr id="1" name=""/>
-        <p:cNvGrpSpPr/>
-        <p:nvPr/>
-      </p:nvGrpSpPr>
-      <p:grpSpPr/>
-      <p:sp>
-        <p:nvSpPr>
-          <p:cNvPr id="2" name="Title 1"/>
-          <p:cNvSpPr>
-            <a:spLocks noGrp="1"/>
-          </p:cNvSpPr>
-          <p:nvPr>
-            <p:ph type="title"/>
-          </p:nvPr>
-        </p:nvSpPr>
-        <p:spPr>
-          <a:xfrm>
-            <a:off x="838200" y="-47625"/>
-            <a:ext cx="10515600" cy="1325563"/>
-          </a:xfrm>
-        </p:spPr>
-        <p:txBody>
-          <a:bodyPr/>
-          <a:p>
-            <a:r>
-              <a:rPr lang="en-US" altLang="en-US"/>
-              <a:t>ET Vektor korrekt</a:t>
-            </a:r>
-            <a:endParaRPr lang="en-US" altLang="en-US"/>
-          </a:p>
-        </p:txBody>
-      </p:sp>
-      <p:cxnSp>
-        <p:nvCxnSpPr>
-          <p:cNvPr id="4" name="Straight Connector 3"/>
-          <p:cNvCxnSpPr/>
-          <p:nvPr/>
-        </p:nvCxnSpPr>
-        <p:spPr>
-          <a:xfrm flipV="1">
-            <a:off x="-18415" y="893445"/>
-            <a:ext cx="12162155" cy="49530"/>
-          </a:xfrm>
-          <a:prstGeom prst="line">
-            <a:avLst/>
-          </a:prstGeom>
-          <a:ln w="25400">
-            <a:solidFill>
-              <a:srgbClr val="C00000"/>
-            </a:solidFill>
-          </a:ln>
-        </p:spPr>
-        <p:style>
-          <a:lnRef idx="1">
-            <a:schemeClr val="accent1"/>
-          </a:lnRef>
-          <a:fillRef idx="0">
-            <a:schemeClr val="accent1"/>
-          </a:fillRef>
-          <a:effectRef idx="0">
-            <a:schemeClr val="accent1"/>
-          </a:effectRef>
-          <a:fontRef idx="minor">
-            <a:schemeClr val="tx1"/>
-          </a:fontRef>
-        </p:style>
-      </p:cxnSp>
-      <p:sp>
-        <p:nvSpPr>
-          <p:cNvPr id="3" name="Text Box 2"/>
-          <p:cNvSpPr txBox="1"/>
-          <p:nvPr/>
-        </p:nvSpPr>
-        <p:spPr>
-          <a:xfrm>
-            <a:off x="302260" y="1059180"/>
-            <a:ext cx="11592560" cy="4831080"/>
-          </a:xfrm>
-          <a:prstGeom prst="rect">
-            <a:avLst/>
-          </a:prstGeom>
-          <a:noFill/>
-        </p:spPr>
-        <p:txBody>
-          <a:bodyPr wrap="square" rtlCol="0">
-            <a:spAutoFit/>
-          </a:bodyPr>
-          <a:p>
-            <a:pPr marL="285750" indent="-285750">
-              <a:buFont typeface="Arial" panose="02080604020202020204" pitchFamily="34" charset="0"/>
-              <a:buChar char="•"/>
-            </a:pPr>
-            <a:r>
-              <a:rPr lang="en-US" altLang="en-US" sz="1400" b="1"/>
-              <a:t> template &lt;typename Expression&gt;</a:t>
-            </a:r>
-            <a:endParaRPr lang="en-US" altLang="en-US" sz="1400" b="1"/>
-          </a:p>
-          <a:p>
-            <a:pPr marL="285750" indent="-285750">
-              <a:buFont typeface="Arial" panose="02080604020202020204" pitchFamily="34" charset="0"/>
-              <a:buChar char="•"/>
-            </a:pPr>
-            <a:r>
-              <a:rPr lang="en-US" altLang="en-US" sz="1400" b="1"/>
-              <a:t>  VektorExpression&lt;T&gt;&amp; operator= (Expression const&amp; other){</a:t>
-            </a:r>
-            <a:endParaRPr lang="en-US" altLang="en-US" sz="1400" b="1"/>
-          </a:p>
-          <a:p>
-            <a:pPr marL="285750" indent="-285750">
-              <a:buFont typeface="Arial" panose="02080604020202020204" pitchFamily="34" charset="0"/>
-              <a:buChar char="•"/>
-            </a:pPr>
-            <a:endParaRPr lang="en-US" altLang="en-US" sz="1400" b="1"/>
-          </a:p>
-          <a:p>
-            <a:pPr marL="285750" indent="-285750">
-              <a:buFont typeface="Arial" panose="02080604020202020204" pitchFamily="34" charset="0"/>
-              <a:buChar char="•"/>
-            </a:pPr>
-            <a:r>
-              <a:rPr lang="en-US" altLang="en-US" sz="1400" b="1"/>
-              <a:t>    if ( &amp;other != this){</a:t>
-            </a:r>
-            <a:endParaRPr lang="en-US" altLang="en-US" sz="1400" b="1"/>
-          </a:p>
-          <a:p>
-            <a:pPr marL="285750" indent="-285750">
-              <a:buFont typeface="Arial" panose="02080604020202020204" pitchFamily="34" charset="0"/>
-              <a:buChar char="•"/>
-            </a:pPr>
-            <a:r>
-              <a:rPr lang="en-US" altLang="en-US" sz="1400" b="1"/>
-              <a:t>      for (size_t i=0; i&lt;size(); ++i){</a:t>
-            </a:r>
-            <a:endParaRPr lang="en-US" altLang="en-US" sz="1400" b="1"/>
-          </a:p>
-          <a:p>
-            <a:pPr marL="285750" indent="-285750">
-              <a:buFont typeface="Arial" panose="02080604020202020204" pitchFamily="34" charset="0"/>
-              <a:buChar char="•"/>
-            </a:pPr>
-            <a:endParaRPr lang="en-US" altLang="en-US" sz="1400" b="1"/>
-          </a:p>
-          <a:p>
-            <a:pPr marL="285750" indent="-285750">
-              <a:buFont typeface="Arial" panose="02080604020202020204" pitchFamily="34" charset="0"/>
-              <a:buChar char="•"/>
-            </a:pPr>
-            <a:r>
-              <a:rPr lang="en-US" altLang="en-US" sz="1400" b="1"/>
-              <a:t>    data[i]= other[i];</a:t>
-            </a:r>
-            <a:endParaRPr lang="en-US" altLang="en-US" sz="1400" b="1"/>
-          </a:p>
-          <a:p>
-            <a:pPr marL="285750" indent="-285750">
-              <a:buFont typeface="Arial" panose="02080604020202020204" pitchFamily="34" charset="0"/>
-              <a:buChar char="•"/>
-            </a:pPr>
-            <a:r>
-              <a:rPr lang="en-US" altLang="en-US" sz="1400" b="1"/>
-              <a:t>      }</a:t>
-            </a:r>
-            <a:endParaRPr lang="en-US" altLang="en-US" sz="1400" b="1"/>
-          </a:p>
-          <a:p>
-            <a:pPr marL="285750" indent="-285750">
-              <a:buFont typeface="Arial" panose="02080604020202020204" pitchFamily="34" charset="0"/>
-              <a:buChar char="•"/>
-            </a:pPr>
-            <a:r>
-              <a:rPr lang="en-US" altLang="en-US" sz="1400" b="1"/>
-              <a:t>    }</a:t>
-            </a:r>
-            <a:endParaRPr lang="en-US" altLang="en-US" sz="1400" b="1"/>
-          </a:p>
-          <a:p>
-            <a:pPr marL="285750" indent="-285750">
-              <a:buFont typeface="Arial" panose="02080604020202020204" pitchFamily="34" charset="0"/>
-              <a:buChar char="•"/>
-            </a:pPr>
-            <a:endParaRPr lang="en-US" altLang="en-US" sz="1400" b="1"/>
-          </a:p>
-          <a:p>
-            <a:pPr marL="285750" indent="-285750">
-              <a:buFont typeface="Arial" panose="02080604020202020204" pitchFamily="34" charset="0"/>
-              <a:buChar char="•"/>
-            </a:pPr>
-            <a:r>
-              <a:rPr lang="en-US" altLang="en-US" sz="1400" b="1"/>
-              <a:t>    return *this;</a:t>
-            </a:r>
-            <a:endParaRPr lang="en-US" altLang="en-US" sz="1400" b="1"/>
-          </a:p>
-          <a:p>
-            <a:pPr marL="285750" indent="-285750">
-              <a:buFont typeface="Arial" panose="02080604020202020204" pitchFamily="34" charset="0"/>
-              <a:buChar char="•"/>
-            </a:pPr>
-            <a:r>
-              <a:rPr lang="en-US" altLang="en-US" sz="1400" b="1"/>
-              <a:t>  }</a:t>
-            </a:r>
-            <a:endParaRPr lang="en-US" altLang="en-US" sz="1400" b="1"/>
-          </a:p>
-          <a:p>
-            <a:pPr marL="285750" indent="-285750">
-              <a:buFont typeface="Arial" panose="02080604020202020204" pitchFamily="34" charset="0"/>
-              <a:buChar char="•"/>
-            </a:pPr>
-            <a:r>
-              <a:rPr lang="en-US" altLang="en-US" sz="1400" b="1"/>
-              <a:t>  </a:t>
-            </a:r>
-            <a:endParaRPr lang="en-US" altLang="en-US" sz="1400" b="1"/>
-          </a:p>
-          <a:p>
-            <a:pPr marL="285750" indent="-285750">
-              <a:buFont typeface="Arial" panose="02080604020202020204" pitchFamily="34" charset="0"/>
-              <a:buChar char="•"/>
-            </a:pPr>
-            <a:r>
-              <a:rPr lang="en-US" altLang="en-US" sz="1400" b="1"/>
-              <a:t>  T operator[] (size_t i) const{</a:t>
-            </a:r>
-            <a:endParaRPr lang="en-US" altLang="en-US" sz="1400" b="1"/>
-          </a:p>
-          <a:p>
-            <a:pPr marL="285750" indent="-285750">
-              <a:buFont typeface="Arial" panose="02080604020202020204" pitchFamily="34" charset="0"/>
-              <a:buChar char="•"/>
-            </a:pPr>
-            <a:endParaRPr lang="en-US" altLang="en-US" sz="1400" b="1"/>
-          </a:p>
-          <a:p>
-            <a:pPr marL="285750" indent="-285750">
-              <a:buFont typeface="Arial" panose="02080604020202020204" pitchFamily="34" charset="0"/>
-              <a:buChar char="•"/>
-            </a:pPr>
-            <a:r>
-              <a:rPr lang="en-US" altLang="en-US" sz="1400" b="1"/>
-              <a:t>    return data[i];</a:t>
-            </a:r>
-            <a:endParaRPr lang="en-US" altLang="en-US" sz="1400" b="1"/>
-          </a:p>
-          <a:p>
-            <a:pPr marL="285750" indent="-285750">
-              <a:buFont typeface="Arial" panose="02080604020202020204" pitchFamily="34" charset="0"/>
-              <a:buChar char="•"/>
-            </a:pPr>
-            <a:r>
-              <a:rPr lang="en-US" altLang="en-US" sz="1400" b="1"/>
-              <a:t>  }</a:t>
-            </a:r>
-            <a:endParaRPr lang="en-US" altLang="en-US" sz="1400" b="1"/>
-          </a:p>
-          <a:p>
-            <a:pPr marL="285750" indent="-285750">
-              <a:buFont typeface="Arial" panose="02080604020202020204" pitchFamily="34" charset="0"/>
-              <a:buChar char="•"/>
-            </a:pPr>
-            <a:r>
-              <a:rPr lang="en-US" altLang="en-US" sz="1400" b="1"/>
-              <a:t>  </a:t>
-            </a:r>
-            <a:endParaRPr lang="en-US" altLang="en-US" sz="1400" b="1"/>
-          </a:p>
-          <a:p>
-            <a:pPr marL="285750" indent="-285750">
-              <a:buFont typeface="Arial" panose="02080604020202020204" pitchFamily="34" charset="0"/>
-              <a:buChar char="•"/>
-            </a:pPr>
-            <a:r>
-              <a:rPr lang="en-US" altLang="en-US" sz="1400" b="1"/>
-              <a:t>  T&amp; operator[] (size_t i){</a:t>
-            </a:r>
-            <a:endParaRPr lang="en-US" altLang="en-US" sz="1400" b="1"/>
-          </a:p>
-          <a:p>
-            <a:pPr marL="285750" indent="-285750">
-              <a:buFont typeface="Arial" panose="02080604020202020204" pitchFamily="34" charset="0"/>
-              <a:buChar char="•"/>
-            </a:pPr>
-            <a:endParaRPr lang="en-US" altLang="en-US" sz="1400" b="1"/>
-          </a:p>
-          <a:p>
-            <a:pPr marL="285750" indent="-285750">
-              <a:buFont typeface="Arial" panose="02080604020202020204" pitchFamily="34" charset="0"/>
-              <a:buChar char="•"/>
-            </a:pPr>
-            <a:r>
-              <a:rPr lang="en-US" altLang="en-US" sz="1400" b="1"/>
-              <a:t>    return data[i];</a:t>
-            </a:r>
-            <a:endParaRPr lang="en-US" altLang="en-US" sz="1400" b="1"/>
-          </a:p>
-          <a:p>
-            <a:pPr marL="285750" indent="-285750">
-              <a:buFont typeface="Arial" panose="02080604020202020204" pitchFamily="34" charset="0"/>
-              <a:buChar char="•"/>
-            </a:pPr>
-            <a:r>
-              <a:rPr lang="en-US" altLang="en-US" sz="1400" b="1"/>
-              <a:t>  }</a:t>
-            </a:r>
-            <a:endParaRPr lang="en-US" altLang="en-US" sz="1400" b="1"/>
-          </a:p>
-        </p:txBody>
-      </p:sp>
-    </p:spTree>
-  </p:cSld>
-  <p:clrMapOvr>
-    <a:masterClrMapping/>
-  </p:clrMapOvr>
-</p:sld>
-</file>
-
-<file path=ppt/slides/slide17.xml><?xml version="1.0" encoding="utf-8"?>
-<p:sld xmlns:a="http://schemas.openxmlformats.org/drawingml/2006/main" xmlns:r="http://schemas.openxmlformats.org/officeDocument/2006/relationships" xmlns:p="http://schemas.openxmlformats.org/presentationml/2006/main">
-  <p:cSld>
-    <p:spTree>
-      <p:nvGrpSpPr>
-        <p:cNvPr id="1" name=""/>
-        <p:cNvGrpSpPr/>
-        <p:nvPr/>
-      </p:nvGrpSpPr>
-      <p:grpSpPr/>
-      <p:sp>
-        <p:nvSpPr>
-          <p:cNvPr id="2" name="Title 1"/>
-          <p:cNvSpPr>
-            <a:spLocks noGrp="1"/>
-          </p:cNvSpPr>
-          <p:nvPr>
-            <p:ph type="title"/>
-          </p:nvPr>
-        </p:nvSpPr>
-        <p:spPr>
-          <a:xfrm>
-            <a:off x="838200" y="-47625"/>
-            <a:ext cx="10515600" cy="1325563"/>
-          </a:xfrm>
-        </p:spPr>
-        <p:txBody>
-          <a:bodyPr/>
-          <a:p>
-            <a:r>
-              <a:rPr lang="en-US" altLang="en-US"/>
-              <a:t>ET Vektor korrekt</a:t>
-            </a:r>
-            <a:endParaRPr lang="en-US" altLang="en-US"/>
-          </a:p>
-        </p:txBody>
-      </p:sp>
-      <p:cxnSp>
-        <p:nvCxnSpPr>
-          <p:cNvPr id="4" name="Straight Connector 3"/>
-          <p:cNvCxnSpPr/>
-          <p:nvPr/>
-        </p:nvCxnSpPr>
-        <p:spPr>
-          <a:xfrm flipV="1">
-            <a:off x="-18415" y="893445"/>
-            <a:ext cx="12162155" cy="49530"/>
-          </a:xfrm>
-          <a:prstGeom prst="line">
-            <a:avLst/>
-          </a:prstGeom>
-          <a:ln w="25400">
-            <a:solidFill>
-              <a:srgbClr val="C00000"/>
-            </a:solidFill>
-          </a:ln>
-        </p:spPr>
-        <p:style>
-          <a:lnRef idx="1">
-            <a:schemeClr val="accent1"/>
-          </a:lnRef>
-          <a:fillRef idx="0">
-            <a:schemeClr val="accent1"/>
-          </a:fillRef>
-          <a:effectRef idx="0">
-            <a:schemeClr val="accent1"/>
-          </a:effectRef>
-          <a:fontRef idx="minor">
-            <a:schemeClr val="tx1"/>
-          </a:fontRef>
-        </p:style>
-      </p:cxnSp>
-      <p:sp>
-        <p:nvSpPr>
-          <p:cNvPr id="3" name="Text Box 2"/>
-          <p:cNvSpPr txBox="1"/>
-          <p:nvPr/>
-        </p:nvSpPr>
-        <p:spPr>
-          <a:xfrm>
-            <a:off x="302260" y="1059180"/>
-            <a:ext cx="11592560" cy="2245360"/>
-          </a:xfrm>
-          <a:prstGeom prst="rect">
-            <a:avLst/>
-          </a:prstGeom>
-          <a:noFill/>
-        </p:spPr>
-        <p:txBody>
-          <a:bodyPr wrap="square" rtlCol="0">
-            <a:spAutoFit/>
-          </a:bodyPr>
-          <a:p>
-            <a:pPr marL="285750" indent="-285750">
-              <a:buFont typeface="Arial" panose="02080604020202020204" pitchFamily="34" charset="0"/>
-              <a:buChar char="•"/>
-            </a:pPr>
-            <a:r>
-              <a:rPr lang="en-US" altLang="en-US" sz="1400" b="1"/>
-              <a:t>  size_t size() const{</a:t>
-            </a:r>
-            <a:endParaRPr lang="en-US" altLang="en-US" sz="1400" b="1"/>
-          </a:p>
-          <a:p>
-            <a:pPr marL="285750" indent="-285750">
-              <a:buFont typeface="Arial" panose="02080604020202020204" pitchFamily="34" charset="0"/>
-              <a:buChar char="•"/>
-            </a:pPr>
-            <a:endParaRPr lang="en-US" altLang="en-US" sz="1400" b="1"/>
-          </a:p>
-          <a:p>
-            <a:pPr marL="285750" indent="-285750">
-              <a:buFont typeface="Arial" panose="02080604020202020204" pitchFamily="34" charset="0"/>
-              <a:buChar char="•"/>
-            </a:pPr>
-            <a:r>
-              <a:rPr lang="en-US" altLang="en-US" sz="1400" b="1"/>
-              <a:t>    return dataSize; </a:t>
-            </a:r>
-            <a:endParaRPr lang="en-US" altLang="en-US" sz="1400" b="1"/>
-          </a:p>
-          <a:p>
-            <a:pPr marL="285750" indent="-285750">
-              <a:buFont typeface="Arial" panose="02080604020202020204" pitchFamily="34" charset="0"/>
-              <a:buChar char="•"/>
-            </a:pPr>
-            <a:r>
-              <a:rPr lang="en-US" altLang="en-US" sz="1400" b="1"/>
-              <a:t>  }</a:t>
-            </a:r>
-            <a:endParaRPr lang="en-US" altLang="en-US" sz="1400" b="1"/>
-          </a:p>
-          <a:p>
-            <a:pPr marL="285750" indent="-285750">
-              <a:buFont typeface="Arial" panose="02080604020202020204" pitchFamily="34" charset="0"/>
-              <a:buChar char="•"/>
-            </a:pPr>
-            <a:r>
-              <a:rPr lang="en-US" altLang="en-US" sz="1400" b="1"/>
-              <a:t>  </a:t>
-            </a:r>
-            <a:endParaRPr lang="en-US" altLang="en-US" sz="1400" b="1"/>
-          </a:p>
-          <a:p>
-            <a:pPr marL="285750" indent="-285750">
-              <a:buFont typeface="Arial" panose="02080604020202020204" pitchFamily="34" charset="0"/>
-              <a:buChar char="•"/>
-            </a:pPr>
-            <a:r>
-              <a:rPr lang="en-US" altLang="en-US" sz="1400" b="1"/>
-              <a:t>  private:</a:t>
-            </a:r>
-            <a:endParaRPr lang="en-US" altLang="en-US" sz="1400" b="1"/>
-          </a:p>
-          <a:p>
-            <a:pPr marL="285750" indent="-285750">
-              <a:buFont typeface="Arial" panose="02080604020202020204" pitchFamily="34" charset="0"/>
-              <a:buChar char="•"/>
-            </a:pPr>
-            <a:r>
-              <a:rPr lang="en-US" altLang="en-US" sz="1400" b="1"/>
-              <a:t>    </a:t>
-            </a:r>
-            <a:endParaRPr lang="en-US" altLang="en-US" sz="1400" b="1"/>
-          </a:p>
-          <a:p>
-            <a:pPr marL="285750" indent="-285750">
-              <a:buFont typeface="Arial" panose="02080604020202020204" pitchFamily="34" charset="0"/>
-              <a:buChar char="•"/>
-            </a:pPr>
-            <a:r>
-              <a:rPr lang="en-US" altLang="en-US" sz="1400" b="1"/>
-              <a:t>    T* data;</a:t>
-            </a:r>
-            <a:endParaRPr lang="en-US" altLang="en-US" sz="1400" b="1"/>
-          </a:p>
-          <a:p>
-            <a:pPr marL="285750" indent="-285750">
-              <a:buFont typeface="Arial" panose="02080604020202020204" pitchFamily="34" charset="0"/>
-              <a:buChar char="•"/>
-            </a:pPr>
-            <a:endParaRPr lang="en-US" altLang="en-US" sz="1400" b="1"/>
-          </a:p>
-          <a:p>
-            <a:pPr marL="285750" indent="-285750">
-              <a:buFont typeface="Arial" panose="02080604020202020204" pitchFamily="34" charset="0"/>
-              <a:buChar char="•"/>
-            </a:pPr>
-            <a:r>
-              <a:rPr lang="en-US" altLang="en-US" sz="1400" b="1"/>
-              <a:t>    size_t dataSize;</a:t>
-            </a:r>
-            <a:endParaRPr lang="en-US" altLang="en-US" sz="1400" b="1"/>
-          </a:p>
-        </p:txBody>
-      </p:sp>
-    </p:spTree>
-  </p:cSld>
-  <p:clrMapOvr>
-    <a:masterClrMapping/>
-  </p:clrMapOvr>
-</p:sld>
-</file>
-
-<file path=ppt/slides/slide18.xml><?xml version="1.0" encoding="utf-8"?>
-<p:sld xmlns:a="http://schemas.openxmlformats.org/drawingml/2006/main" xmlns:r="http://schemas.openxmlformats.org/officeDocument/2006/relationships" xmlns:p="http://schemas.openxmlformats.org/presentationml/2006/main">
-  <p:cSld>
-    <p:spTree>
-      <p:nvGrpSpPr>
-        <p:cNvPr id="1" name=""/>
-        <p:cNvGrpSpPr/>
-        <p:nvPr/>
-      </p:nvGrpSpPr>
-      <p:grpSpPr/>
-      <p:sp>
-        <p:nvSpPr>
-          <p:cNvPr id="2" name="Title 1"/>
-          <p:cNvSpPr>
-            <a:spLocks noGrp="1"/>
-          </p:cNvSpPr>
-          <p:nvPr>
-            <p:ph type="title"/>
-          </p:nvPr>
-        </p:nvSpPr>
-        <p:spPr>
-          <a:xfrm>
-            <a:off x="838200" y="-47625"/>
-            <a:ext cx="10515600" cy="1325563"/>
-          </a:xfrm>
-        </p:spPr>
-        <p:txBody>
-          <a:bodyPr/>
-          <a:p>
-            <a:r>
-              <a:rPr lang="en-US" altLang="en-US"/>
-              <a:t>ET Arithmetik korrekt</a:t>
-            </a:r>
-            <a:endParaRPr lang="en-US" altLang="en-US"/>
-          </a:p>
-        </p:txBody>
-      </p:sp>
-      <p:cxnSp>
-        <p:nvCxnSpPr>
-          <p:cNvPr id="4" name="Straight Connector 3"/>
-          <p:cNvCxnSpPr/>
-          <p:nvPr/>
-        </p:nvCxnSpPr>
-        <p:spPr>
-          <a:xfrm flipV="1">
-            <a:off x="-18415" y="893445"/>
-            <a:ext cx="12162155" cy="49530"/>
-          </a:xfrm>
-          <a:prstGeom prst="line">
-            <a:avLst/>
-          </a:prstGeom>
-          <a:ln w="25400">
-            <a:solidFill>
-              <a:srgbClr val="C00000"/>
-            </a:solidFill>
-          </a:ln>
-        </p:spPr>
-        <p:style>
-          <a:lnRef idx="1">
-            <a:schemeClr val="accent1"/>
-          </a:lnRef>
-          <a:fillRef idx="0">
-            <a:schemeClr val="accent1"/>
-          </a:fillRef>
-          <a:effectRef idx="0">
-            <a:schemeClr val="accent1"/>
-          </a:effectRef>
-          <a:fontRef idx="minor">
-            <a:schemeClr val="tx1"/>
-          </a:fontRef>
-        </p:style>
-      </p:cxnSp>
-      <p:sp>
-        <p:nvSpPr>
-          <p:cNvPr id="3" name="Text Box 2"/>
-          <p:cNvSpPr txBox="1"/>
-          <p:nvPr/>
-        </p:nvSpPr>
-        <p:spPr>
-          <a:xfrm>
-            <a:off x="302260" y="1059180"/>
-            <a:ext cx="11592560" cy="4184650"/>
-          </a:xfrm>
-          <a:prstGeom prst="rect">
-            <a:avLst/>
-          </a:prstGeom>
-          <a:noFill/>
-        </p:spPr>
-        <p:txBody>
-          <a:bodyPr wrap="square" rtlCol="0">
-            <a:spAutoFit/>
-          </a:bodyPr>
-          <a:p>
-            <a:pPr marL="285750" indent="-285750">
-              <a:buFont typeface="Arial" panose="02080604020202020204" pitchFamily="34" charset="0"/>
-              <a:buChar char="•"/>
-            </a:pPr>
-            <a:r>
-              <a:rPr lang="en-US" altLang="en-US" sz="1400" b="1"/>
-              <a:t>/* the expression tree node */</a:t>
-            </a:r>
-            <a:endParaRPr lang="en-US" altLang="en-US" sz="1400" b="1"/>
-          </a:p>
-          <a:p>
-            <a:pPr marL="285750" indent="-285750">
-              <a:buFont typeface="Arial" panose="02080604020202020204" pitchFamily="34" charset="0"/>
-              <a:buChar char="•"/>
-            </a:pPr>
-            <a:r>
-              <a:rPr lang="en-US" altLang="en-US" sz="1400" b="1"/>
-              <a:t>/* define the primary template*/</a:t>
-            </a:r>
-            <a:endParaRPr lang="en-US" altLang="en-US" sz="1400" b="1"/>
-          </a:p>
-          <a:p>
-            <a:pPr marL="285750" indent="-285750">
-              <a:buFont typeface="Arial" panose="02080604020202020204" pitchFamily="34" charset="0"/>
-              <a:buChar char="•"/>
-            </a:pPr>
-            <a:r>
-              <a:rPr lang="en-US" altLang="en-US" sz="1400" b="1"/>
-              <a:t>template &lt;typename Left, typename Operation, typename Right&gt;</a:t>
-            </a:r>
-            <a:endParaRPr lang="en-US" altLang="en-US" sz="1400" b="1"/>
-          </a:p>
-          <a:p>
-            <a:pPr marL="285750" indent="-285750">
-              <a:buFont typeface="Arial" panose="02080604020202020204" pitchFamily="34" charset="0"/>
-              <a:buChar char="•"/>
-            </a:pPr>
-            <a:endParaRPr lang="en-US" altLang="en-US" sz="1400" b="1"/>
-          </a:p>
-          <a:p>
-            <a:pPr marL="285750" indent="-285750">
-              <a:buFont typeface="Arial" panose="02080604020202020204" pitchFamily="34" charset="0"/>
-              <a:buChar char="•"/>
-            </a:pPr>
-            <a:r>
-              <a:rPr lang="en-US" altLang="en-US" sz="1400" b="1"/>
-              <a:t>struct Expression{</a:t>
-            </a:r>
-            <a:endParaRPr lang="en-US" altLang="en-US" sz="1400" b="1"/>
-          </a:p>
-          <a:p>
-            <a:pPr marL="285750" indent="-285750">
-              <a:buFont typeface="Arial" panose="02080604020202020204" pitchFamily="34" charset="0"/>
-              <a:buChar char="•"/>
-            </a:pPr>
-            <a:r>
-              <a:rPr lang="en-US" altLang="en-US" sz="1400" b="1"/>
-              <a:t>  Expression( Left const&amp; l, Right const&amp; r): left(l), right(r) {}</a:t>
-            </a:r>
-            <a:endParaRPr lang="en-US" altLang="en-US" sz="1400" b="1"/>
-          </a:p>
-          <a:p>
-            <a:pPr marL="285750" indent="-285750">
-              <a:buFont typeface="Arial" panose="02080604020202020204" pitchFamily="34" charset="0"/>
-              <a:buChar char="•"/>
-            </a:pPr>
-            <a:endParaRPr lang="en-US" altLang="en-US" sz="1400" b="1"/>
-          </a:p>
-          <a:p>
-            <a:pPr marL="285750" indent="-285750">
-              <a:buFont typeface="Arial" panose="02080604020202020204" pitchFamily="34" charset="0"/>
-              <a:buChar char="•"/>
-            </a:pPr>
-            <a:r>
-              <a:rPr lang="en-US" altLang="en-US" sz="1400" b="1"/>
-              <a:t>  </a:t>
-            </a:r>
-            <a:endParaRPr lang="en-US" altLang="en-US" sz="1400" b="1"/>
-          </a:p>
-          <a:p>
-            <a:pPr marL="285750" indent="-285750">
-              <a:buFont typeface="Arial" panose="02080604020202020204" pitchFamily="34" charset="0"/>
-              <a:buChar char="•"/>
-            </a:pPr>
-            <a:r>
-              <a:rPr lang="en-US" altLang="en-US" sz="1400" b="1"/>
-              <a:t>  typedef typename Operation::ElementType ElementType; </a:t>
-            </a:r>
-            <a:endParaRPr lang="en-US" altLang="en-US" sz="1400" b="1"/>
-          </a:p>
-          <a:p>
-            <a:pPr marL="285750" indent="-285750">
-              <a:buFont typeface="Arial" panose="02080604020202020204" pitchFamily="34" charset="0"/>
-              <a:buChar char="•"/>
-            </a:pPr>
-            <a:r>
-              <a:rPr lang="en-US" altLang="en-US" sz="1400" b="1"/>
-              <a:t>  </a:t>
-            </a:r>
-            <a:endParaRPr lang="en-US" altLang="en-US" sz="1400" b="1"/>
-          </a:p>
-          <a:p>
-            <a:pPr marL="285750" indent="-285750">
-              <a:buFont typeface="Arial" panose="02080604020202020204" pitchFamily="34" charset="0"/>
-              <a:buChar char="•"/>
-            </a:pPr>
-            <a:r>
-              <a:rPr lang="en-US" altLang="en-US" sz="1400" b="1"/>
-              <a:t>  ElementType operator[](size_t index) const{</a:t>
-            </a:r>
-            <a:endParaRPr lang="en-US" altLang="en-US" sz="1400" b="1"/>
-          </a:p>
-          <a:p>
-            <a:pPr marL="285750" indent="-285750">
-              <a:buFont typeface="Arial" panose="02080604020202020204" pitchFamily="34" charset="0"/>
-              <a:buChar char="•"/>
-            </a:pPr>
-            <a:endParaRPr lang="en-US" altLang="en-US" sz="1400" b="1"/>
-          </a:p>
-          <a:p>
-            <a:pPr marL="285750" indent="-285750">
-              <a:buFont typeface="Arial" panose="02080604020202020204" pitchFamily="34" charset="0"/>
-              <a:buChar char="•"/>
-            </a:pPr>
-            <a:r>
-              <a:rPr lang="en-US" altLang="en-US" sz="1400" b="1"/>
-              <a:t>    return Operation::apply(left[index],right[index]);</a:t>
-            </a:r>
-            <a:endParaRPr lang="en-US" altLang="en-US" sz="1400" b="1"/>
-          </a:p>
-          <a:p>
-            <a:pPr marL="285750" indent="-285750">
-              <a:buFont typeface="Arial" panose="02080604020202020204" pitchFamily="34" charset="0"/>
-              <a:buChar char="•"/>
-            </a:pPr>
-            <a:r>
-              <a:rPr lang="en-US" altLang="en-US" sz="1400" b="1"/>
-              <a:t>  }</a:t>
-            </a:r>
-            <a:endParaRPr lang="en-US" altLang="en-US" sz="1400" b="1"/>
-          </a:p>
-          <a:p>
-            <a:pPr marL="285750" indent="-285750">
-              <a:buFont typeface="Arial" panose="02080604020202020204" pitchFamily="34" charset="0"/>
-              <a:buChar char="•"/>
-            </a:pPr>
-            <a:endParaRPr lang="en-US" altLang="en-US" sz="1400" b="1"/>
-          </a:p>
-          <a:p>
-            <a:pPr marL="285750" indent="-285750">
-              <a:buFont typeface="Arial" panose="02080604020202020204" pitchFamily="34" charset="0"/>
-              <a:buChar char="•"/>
-            </a:pPr>
-            <a:r>
-              <a:rPr lang="en-US" altLang="en-US" sz="1400" b="1"/>
-              <a:t>  </a:t>
-            </a:r>
-            <a:endParaRPr lang="en-US" altLang="en-US" sz="1400" b="1"/>
-          </a:p>
-          <a:p>
-            <a:pPr marL="285750" indent="-285750">
-              <a:buFont typeface="Arial" panose="02080604020202020204" pitchFamily="34" charset="0"/>
-              <a:buChar char="•"/>
-            </a:pPr>
-            <a:r>
-              <a:rPr lang="en-US" altLang="en-US" sz="1400" b="1"/>
-              <a:t>  Left const&amp; left;</a:t>
-            </a:r>
-            <a:endParaRPr lang="en-US" altLang="en-US" sz="1400" b="1"/>
-          </a:p>
-          <a:p>
-            <a:pPr marL="285750" indent="-285750">
-              <a:buFont typeface="Arial" panose="02080604020202020204" pitchFamily="34" charset="0"/>
-              <a:buChar char="•"/>
-            </a:pPr>
-            <a:r>
-              <a:rPr lang="en-US" altLang="en-US" sz="1400" b="1"/>
-              <a:t>  Right const&amp; right;</a:t>
-            </a:r>
-            <a:endParaRPr lang="en-US" altLang="en-US" sz="1400" b="1"/>
-          </a:p>
-          <a:p>
-            <a:pPr marL="285750" indent="-285750">
-              <a:buFont typeface="Arial" panose="02080604020202020204" pitchFamily="34" charset="0"/>
-              <a:buChar char="•"/>
-            </a:pPr>
-            <a:r>
-              <a:rPr lang="en-US" altLang="en-US" sz="1400" b="1"/>
-              <a:t>};</a:t>
-            </a:r>
-            <a:endParaRPr lang="en-US" altLang="en-US" sz="1400" b="1"/>
-          </a:p>
-        </p:txBody>
-      </p:sp>
-    </p:spTree>
-  </p:cSld>
-  <p:clrMapOvr>
-    <a:masterClrMapping/>
-  </p:clrMapOvr>
-</p:sld>
-</file>
-
-<file path=ppt/slides/slide19.xml><?xml version="1.0" encoding="utf-8"?>
-<p:sld xmlns:a="http://schemas.openxmlformats.org/drawingml/2006/main" xmlns:r="http://schemas.openxmlformats.org/officeDocument/2006/relationships" xmlns:p="http://schemas.openxmlformats.org/presentationml/2006/main">
-  <p:cSld>
-    <p:spTree>
-      <p:nvGrpSpPr>
-        <p:cNvPr id="1" name=""/>
-        <p:cNvGrpSpPr/>
-        <p:nvPr/>
-      </p:nvGrpSpPr>
-      <p:grpSpPr/>
-      <p:sp>
-        <p:nvSpPr>
-          <p:cNvPr id="2" name="Title 1"/>
-          <p:cNvSpPr>
-            <a:spLocks noGrp="1"/>
-          </p:cNvSpPr>
-          <p:nvPr>
-            <p:ph type="title"/>
-          </p:nvPr>
-        </p:nvSpPr>
-        <p:spPr>
-          <a:xfrm>
-            <a:off x="838200" y="-47625"/>
-            <a:ext cx="10515600" cy="1325563"/>
-          </a:xfrm>
-        </p:spPr>
-        <p:txBody>
-          <a:bodyPr/>
-          <a:p>
-            <a:r>
-              <a:rPr lang="en-US" altLang="en-US"/>
-              <a:t>ET Arithmetik korrekt</a:t>
-            </a:r>
-            <a:endParaRPr lang="en-US" altLang="en-US"/>
-          </a:p>
-        </p:txBody>
-      </p:sp>
-      <p:cxnSp>
-        <p:nvCxnSpPr>
-          <p:cNvPr id="4" name="Straight Connector 3"/>
-          <p:cNvCxnSpPr/>
-          <p:nvPr/>
-        </p:nvCxnSpPr>
-        <p:spPr>
-          <a:xfrm flipV="1">
-            <a:off x="-18415" y="893445"/>
-            <a:ext cx="12162155" cy="49530"/>
-          </a:xfrm>
-          <a:prstGeom prst="line">
-            <a:avLst/>
-          </a:prstGeom>
-          <a:ln w="25400">
-            <a:solidFill>
-              <a:srgbClr val="C00000"/>
-            </a:solidFill>
-          </a:ln>
-        </p:spPr>
-        <p:style>
-          <a:lnRef idx="1">
-            <a:schemeClr val="accent1"/>
-          </a:lnRef>
-          <a:fillRef idx="0">
-            <a:schemeClr val="accent1"/>
-          </a:fillRef>
-          <a:effectRef idx="0">
-            <a:schemeClr val="accent1"/>
-          </a:effectRef>
-          <a:fontRef idx="minor">
-            <a:schemeClr val="tx1"/>
-          </a:fontRef>
-        </p:style>
-      </p:cxnSp>
-      <p:sp>
-        <p:nvSpPr>
-          <p:cNvPr id="3" name="Text Box 2"/>
-          <p:cNvSpPr txBox="1"/>
-          <p:nvPr/>
-        </p:nvSpPr>
-        <p:spPr>
-          <a:xfrm>
-            <a:off x="302260" y="1059180"/>
-            <a:ext cx="11592560" cy="3107690"/>
-          </a:xfrm>
-          <a:prstGeom prst="rect">
-            <a:avLst/>
-          </a:prstGeom>
-          <a:noFill/>
-        </p:spPr>
-        <p:txBody>
-          <a:bodyPr wrap="square" rtlCol="0">
-            <a:spAutoFit/>
-          </a:bodyPr>
-          <a:p>
-            <a:pPr marL="285750" indent="-285750">
-              <a:buFont typeface="Arial" panose="02080604020202020204" pitchFamily="34" charset="0"/>
-              <a:buChar char="•"/>
-            </a:pPr>
-            <a:r>
-              <a:rPr lang="en-US" altLang="en-US" sz="1400" b="1"/>
-              <a:t>/* the forward declaration of the arithmetic functions*/</a:t>
-            </a:r>
-            <a:endParaRPr lang="en-US" altLang="en-US" sz="1400" b="1"/>
-          </a:p>
-          <a:p>
-            <a:pPr marL="285750" indent="-285750">
-              <a:buFont typeface="Arial" panose="02080604020202020204" pitchFamily="34" charset="0"/>
-              <a:buChar char="•"/>
-            </a:pPr>
-            <a:r>
-              <a:rPr lang="en-US" altLang="en-US" sz="1400" b="1"/>
-              <a:t>template&lt;typename ET&gt;  struct Plus;</a:t>
-            </a:r>
-            <a:endParaRPr lang="en-US" altLang="en-US" sz="1400" b="1"/>
-          </a:p>
-          <a:p>
-            <a:pPr marL="285750" indent="-285750">
-              <a:buFont typeface="Arial" panose="02080604020202020204" pitchFamily="34" charset="0"/>
-              <a:buChar char="•"/>
-            </a:pPr>
-            <a:r>
-              <a:rPr lang="en-US" altLang="en-US" sz="1400" b="1"/>
-              <a:t>template&lt;typename ET&gt;  struct Mult; </a:t>
-            </a:r>
-            <a:endParaRPr lang="en-US" altLang="en-US" sz="1400" b="1"/>
-          </a:p>
-          <a:p>
-            <a:pPr marL="285750" indent="-285750">
-              <a:buFont typeface="Arial" panose="02080604020202020204" pitchFamily="34" charset="0"/>
-              <a:buChar char="•"/>
-            </a:pPr>
-            <a:endParaRPr lang="en-US" altLang="en-US" sz="1400" b="1"/>
-          </a:p>
-          <a:p>
-            <a:pPr marL="285750" indent="-285750">
-              <a:buFont typeface="Arial" panose="02080604020202020204" pitchFamily="34" charset="0"/>
-              <a:buChar char="•"/>
-            </a:pPr>
-            <a:endParaRPr lang="en-US" altLang="en-US" sz="1400" b="1"/>
-          </a:p>
-          <a:p>
-            <a:pPr marL="285750" indent="-285750">
-              <a:buFont typeface="Arial" panose="02080604020202020204" pitchFamily="34" charset="0"/>
-              <a:buChar char="•"/>
-            </a:pPr>
-            <a:r>
-              <a:rPr lang="en-US" altLang="en-US" sz="1400" b="1"/>
-              <a:t>// addition of the expressions</a:t>
-            </a:r>
-            <a:endParaRPr lang="en-US" altLang="en-US" sz="1400" b="1"/>
-          </a:p>
-          <a:p>
-            <a:pPr marL="285750" indent="-285750">
-              <a:buFont typeface="Arial" panose="02080604020202020204" pitchFamily="34" charset="0"/>
-              <a:buChar char="•"/>
-            </a:pPr>
-            <a:r>
-              <a:rPr lang="en-US" altLang="en-US" sz="1400" b="1"/>
-              <a:t>template &lt;typename Left,typename Right&gt;</a:t>
-            </a:r>
-            <a:endParaRPr lang="en-US" altLang="en-US" sz="1400" b="1"/>
-          </a:p>
-          <a:p>
-            <a:pPr marL="285750" indent="-285750">
-              <a:buFont typeface="Arial" panose="02080604020202020204" pitchFamily="34" charset="0"/>
-              <a:buChar char="•"/>
-            </a:pPr>
-            <a:r>
-              <a:rPr lang="en-US" altLang="en-US" sz="1400" b="1"/>
-              <a:t>Expression&lt;Left,Plus&lt;typename Left::ElementType&gt;,Right&gt; </a:t>
-            </a:r>
-            <a:endParaRPr lang="en-US" altLang="en-US" sz="1400" b="1"/>
-          </a:p>
-          <a:p>
-            <a:pPr marL="285750" indent="-285750">
-              <a:buFont typeface="Arial" panose="02080604020202020204" pitchFamily="34" charset="0"/>
-              <a:buChar char="•"/>
-            </a:pPr>
-            <a:endParaRPr lang="en-US" altLang="en-US" sz="1400" b="1"/>
-          </a:p>
-          <a:p>
-            <a:pPr marL="285750" indent="-285750">
-              <a:buFont typeface="Arial" panose="02080604020202020204" pitchFamily="34" charset="0"/>
-              <a:buChar char="•"/>
-            </a:pPr>
-            <a:r>
-              <a:rPr lang="en-US" altLang="en-US" sz="1400" b="1"/>
-              <a:t>operator+ (Left const&amp; l, Right const&amp; r){</a:t>
-            </a:r>
-            <a:endParaRPr lang="en-US" altLang="en-US" sz="1400" b="1"/>
-          </a:p>
-          <a:p>
-            <a:pPr marL="285750" indent="-285750">
-              <a:buFont typeface="Arial" panose="02080604020202020204" pitchFamily="34" charset="0"/>
-              <a:buChar char="•"/>
-            </a:pPr>
-            <a:endParaRPr lang="en-US" altLang="en-US" sz="1400" b="1"/>
-          </a:p>
-          <a:p>
-            <a:pPr marL="285750" indent="-285750">
-              <a:buFont typeface="Arial" panose="02080604020202020204" pitchFamily="34" charset="0"/>
-              <a:buChar char="•"/>
-            </a:pPr>
-            <a:r>
-              <a:rPr lang="en-US" altLang="en-US" sz="1400" b="1"/>
-              <a:t>  return Expression&lt;Left,Plus&lt;typename Left::ElementType&gt;,Right&gt;(l,r);</a:t>
-            </a:r>
-            <a:endParaRPr lang="en-US" altLang="en-US" sz="1400" b="1"/>
-          </a:p>
-          <a:p>
-            <a:pPr marL="285750" indent="-285750">
-              <a:buFont typeface="Arial" panose="02080604020202020204" pitchFamily="34" charset="0"/>
-              <a:buChar char="•"/>
-            </a:pPr>
-            <a:endParaRPr lang="en-US" altLang="en-US" sz="1400" b="1"/>
-          </a:p>
-          <a:p>
-            <a:pPr marL="285750" indent="-285750">
-              <a:buFont typeface="Arial" panose="02080604020202020204" pitchFamily="34" charset="0"/>
-              <a:buChar char="•"/>
-            </a:pPr>
-            <a:r>
-              <a:rPr lang="en-US" altLang="en-US" sz="1400" b="1"/>
-              <a:t>}</a:t>
-            </a:r>
-            <a:endParaRPr lang="en-US" altLang="en-US" sz="1400" b="1"/>
-          </a:p>
-        </p:txBody>
-      </p:sp>
-    </p:spTree>
-  </p:cSld>
-  <p:clrMapOvr>
-    <a:masterClrMapping/>
-  </p:clrMapOvr>
-</p:sld>
-</file>
-
-<file path=ppt/slides/slide2.xml><?xml version="1.0" encoding="utf-8"?>
-<p:sld xmlns:a="http://schemas.openxmlformats.org/drawingml/2006/main" xmlns:r="http://schemas.openxmlformats.org/officeDocument/2006/relationships" xmlns:p="http://schemas.openxmlformats.org/presentationml/2006/main">
-  <p:cSld>
-    <p:spTree>
-      <p:nvGrpSpPr>
-        <p:cNvPr id="1" name=""/>
-        <p:cNvGrpSpPr/>
-        <p:nvPr/>
-      </p:nvGrpSpPr>
-      <p:grpSpPr/>
-      <p:sp>
-        <p:nvSpPr>
-          <p:cNvPr id="2" name="Title 1"/>
-          <p:cNvSpPr>
-            <a:spLocks noGrp="1"/>
-          </p:cNvSpPr>
-          <p:nvPr>
-            <p:ph type="title"/>
-          </p:nvPr>
-        </p:nvSpPr>
-        <p:spPr>
-          <a:xfrm>
-            <a:off x="838200" y="-47625"/>
-            <a:ext cx="10515600" cy="1325563"/>
-          </a:xfrm>
-        </p:spPr>
-        <p:txBody>
-          <a:bodyPr/>
-          <a:p>
-            <a:r>
-              <a:rPr lang="en-US" altLang="en-US"/>
-              <a:t>Vorgehen</a:t>
-            </a:r>
-            <a:endParaRPr lang="en-US" altLang="en-US"/>
-          </a:p>
-        </p:txBody>
-      </p:sp>
-      <p:cxnSp>
-        <p:nvCxnSpPr>
-          <p:cNvPr id="4" name="Straight Connector 3"/>
-          <p:cNvCxnSpPr/>
-          <p:nvPr/>
-        </p:nvCxnSpPr>
-        <p:spPr>
-          <a:xfrm flipV="1">
-            <a:off x="-18415" y="893445"/>
-            <a:ext cx="12162155" cy="49530"/>
-          </a:xfrm>
-          <a:prstGeom prst="line">
-            <a:avLst/>
-          </a:prstGeom>
-          <a:ln w="25400">
-            <a:solidFill>
-              <a:srgbClr val="C00000"/>
-            </a:solidFill>
-          </a:ln>
-        </p:spPr>
-        <p:style>
-          <a:lnRef idx="1">
-            <a:schemeClr val="accent1"/>
-          </a:lnRef>
-          <a:fillRef idx="0">
-            <a:schemeClr val="accent1"/>
-          </a:fillRef>
-          <a:effectRef idx="0">
-            <a:schemeClr val="accent1"/>
-          </a:effectRef>
-          <a:fontRef idx="minor">
-            <a:schemeClr val="tx1"/>
-          </a:fontRef>
-        </p:style>
-      </p:cxnSp>
-      <p:sp>
-        <p:nvSpPr>
-          <p:cNvPr id="3" name="Text Box 2"/>
-          <p:cNvSpPr txBox="1"/>
-          <p:nvPr/>
-        </p:nvSpPr>
-        <p:spPr>
-          <a:xfrm>
-            <a:off x="302260" y="1059180"/>
             <a:ext cx="11592560" cy="5077460"/>
           </a:xfrm>
           <a:prstGeom prst="rect">
@@ -5777,776 +3246,6 @@
               <a:buChar char="•"/>
             </a:pPr>
             <a:endParaRPr lang="en-US" altLang="en-US" b="1"/>
-          </a:p>
-        </p:txBody>
-      </p:sp>
-    </p:spTree>
-  </p:cSld>
-  <p:clrMapOvr>
-    <a:masterClrMapping/>
-  </p:clrMapOvr>
-</p:sld>
-</file>
-
-<file path=ppt/slides/slide20.xml><?xml version="1.0" encoding="utf-8"?>
-<p:sld xmlns:a="http://schemas.openxmlformats.org/drawingml/2006/main" xmlns:r="http://schemas.openxmlformats.org/officeDocument/2006/relationships" xmlns:p="http://schemas.openxmlformats.org/presentationml/2006/main">
-  <p:cSld>
-    <p:spTree>
-      <p:nvGrpSpPr>
-        <p:cNvPr id="1" name=""/>
-        <p:cNvGrpSpPr/>
-        <p:nvPr/>
-      </p:nvGrpSpPr>
-      <p:grpSpPr/>
-      <p:sp>
-        <p:nvSpPr>
-          <p:cNvPr id="2" name="Title 1"/>
-          <p:cNvSpPr>
-            <a:spLocks noGrp="1"/>
-          </p:cNvSpPr>
-          <p:nvPr>
-            <p:ph type="title"/>
-          </p:nvPr>
-        </p:nvSpPr>
-        <p:spPr>
-          <a:xfrm>
-            <a:off x="838200" y="-47625"/>
-            <a:ext cx="10515600" cy="1325563"/>
-          </a:xfrm>
-        </p:spPr>
-        <p:txBody>
-          <a:bodyPr/>
-          <a:p>
-            <a:r>
-              <a:rPr lang="en-US" altLang="en-US"/>
-              <a:t>ET Arithmetik korrekt</a:t>
-            </a:r>
-            <a:endParaRPr lang="en-US" altLang="en-US"/>
-          </a:p>
-        </p:txBody>
-      </p:sp>
-      <p:cxnSp>
-        <p:nvCxnSpPr>
-          <p:cNvPr id="4" name="Straight Connector 3"/>
-          <p:cNvCxnSpPr/>
-          <p:nvPr/>
-        </p:nvCxnSpPr>
-        <p:spPr>
-          <a:xfrm flipV="1">
-            <a:off x="-18415" y="893445"/>
-            <a:ext cx="12162155" cy="49530"/>
-          </a:xfrm>
-          <a:prstGeom prst="line">
-            <a:avLst/>
-          </a:prstGeom>
-          <a:ln w="25400">
-            <a:solidFill>
-              <a:srgbClr val="C00000"/>
-            </a:solidFill>
-          </a:ln>
-        </p:spPr>
-        <p:style>
-          <a:lnRef idx="1">
-            <a:schemeClr val="accent1"/>
-          </a:lnRef>
-          <a:fillRef idx="0">
-            <a:schemeClr val="accent1"/>
-          </a:fillRef>
-          <a:effectRef idx="0">
-            <a:schemeClr val="accent1"/>
-          </a:effectRef>
-          <a:fontRef idx="minor">
-            <a:schemeClr val="tx1"/>
-          </a:fontRef>
-        </p:style>
-      </p:cxnSp>
-      <p:sp>
-        <p:nvSpPr>
-          <p:cNvPr id="3" name="Text Box 2"/>
-          <p:cNvSpPr txBox="1"/>
-          <p:nvPr/>
-        </p:nvSpPr>
-        <p:spPr>
-          <a:xfrm>
-            <a:off x="302260" y="1059180"/>
-            <a:ext cx="11592560" cy="4399915"/>
-          </a:xfrm>
-          <a:prstGeom prst="rect">
-            <a:avLst/>
-          </a:prstGeom>
-          <a:noFill/>
-        </p:spPr>
-        <p:txBody>
-          <a:bodyPr wrap="square" rtlCol="0">
-            <a:spAutoFit/>
-          </a:bodyPr>
-          <a:p>
-            <a:pPr marL="285750" indent="-285750">
-              <a:buFont typeface="Arial" panose="02080604020202020204" pitchFamily="34" charset="0"/>
-              <a:buChar char="•"/>
-            </a:pPr>
-            <a:r>
-              <a:rPr lang="en-US" altLang="en-US" sz="1400" b="1"/>
-              <a:t>// multiplication of the expressions</a:t>
-            </a:r>
-            <a:endParaRPr lang="en-US" altLang="en-US" sz="1400" b="1"/>
-          </a:p>
-          <a:p>
-            <a:pPr marL="285750" indent="-285750">
-              <a:buFont typeface="Arial" panose="02080604020202020204" pitchFamily="34" charset="0"/>
-              <a:buChar char="•"/>
-            </a:pPr>
-            <a:r>
-              <a:rPr lang="en-US" altLang="en-US" sz="1400" b="1"/>
-              <a:t>template &lt;typename Left,typename Right&gt;</a:t>
-            </a:r>
-            <a:endParaRPr lang="en-US" altLang="en-US" sz="1400" b="1"/>
-          </a:p>
-          <a:p>
-            <a:pPr marL="285750" indent="-285750">
-              <a:buFont typeface="Arial" panose="02080604020202020204" pitchFamily="34" charset="0"/>
-              <a:buChar char="•"/>
-            </a:pPr>
-            <a:r>
-              <a:rPr lang="en-US" altLang="en-US" sz="1400" b="1"/>
-              <a:t>Expression&lt;Left,Mult&lt;typename Left::ElementType&gt;,Right&gt; </a:t>
-            </a:r>
-            <a:endParaRPr lang="en-US" altLang="en-US" sz="1400" b="1"/>
-          </a:p>
-          <a:p>
-            <a:pPr marL="285750" indent="-285750">
-              <a:buFont typeface="Arial" panose="02080604020202020204" pitchFamily="34" charset="0"/>
-              <a:buChar char="•"/>
-            </a:pPr>
-            <a:endParaRPr lang="en-US" altLang="en-US" sz="1400" b="1"/>
-          </a:p>
-          <a:p>
-            <a:pPr marL="285750" indent="-285750">
-              <a:buFont typeface="Arial" panose="02080604020202020204" pitchFamily="34" charset="0"/>
-              <a:buChar char="•"/>
-            </a:pPr>
-            <a:r>
-              <a:rPr lang="en-US" altLang="en-US" sz="1400" b="1"/>
-              <a:t>operator* (Left const&amp; l, Right const&amp; r){</a:t>
-            </a:r>
-            <a:endParaRPr lang="en-US" altLang="en-US" sz="1400" b="1"/>
-          </a:p>
-          <a:p>
-            <a:pPr marL="285750" indent="-285750">
-              <a:buFont typeface="Arial" panose="02080604020202020204" pitchFamily="34" charset="0"/>
-              <a:buChar char="•"/>
-            </a:pPr>
-            <a:endParaRPr lang="en-US" altLang="en-US" sz="1400" b="1"/>
-          </a:p>
-          <a:p>
-            <a:pPr marL="285750" indent="-285750">
-              <a:buFont typeface="Arial" panose="02080604020202020204" pitchFamily="34" charset="0"/>
-              <a:buChar char="•"/>
-            </a:pPr>
-            <a:r>
-              <a:rPr lang="en-US" altLang="en-US" sz="1400" b="1"/>
-              <a:t>  return Expression&lt;Left,Mult&lt;typename Left::ElementType&gt;,Right&gt;(l,r);</a:t>
-            </a:r>
-            <a:endParaRPr lang="en-US" altLang="en-US" sz="1400" b="1"/>
-          </a:p>
-          <a:p>
-            <a:pPr marL="285750" indent="-285750">
-              <a:buFont typeface="Arial" panose="02080604020202020204" pitchFamily="34" charset="0"/>
-              <a:buChar char="•"/>
-            </a:pPr>
-            <a:endParaRPr lang="en-US" altLang="en-US" sz="1400" b="1"/>
-          </a:p>
-          <a:p>
-            <a:pPr marL="285750" indent="-285750">
-              <a:buFont typeface="Arial" panose="02080604020202020204" pitchFamily="34" charset="0"/>
-              <a:buChar char="•"/>
-            </a:pPr>
-            <a:r>
-              <a:rPr lang="en-US" altLang="en-US" sz="1400" b="1"/>
-              <a:t>}</a:t>
-            </a:r>
-            <a:endParaRPr lang="en-US" altLang="en-US" sz="1400" b="1"/>
-          </a:p>
-          <a:p>
-            <a:pPr marL="285750" indent="-285750">
-              <a:buFont typeface="Arial" panose="02080604020202020204" pitchFamily="34" charset="0"/>
-              <a:buChar char="•"/>
-            </a:pPr>
-            <a:endParaRPr lang="en-US" altLang="en-US" sz="1400" b="1"/>
-          </a:p>
-          <a:p>
-            <a:pPr marL="285750" indent="-285750">
-              <a:buFont typeface="Arial" panose="02080604020202020204" pitchFamily="34" charset="0"/>
-              <a:buChar char="•"/>
-            </a:pPr>
-            <a:r>
-              <a:rPr lang="en-US" altLang="en-US" sz="1400" b="1"/>
-              <a:t>// elementwise addition</a:t>
-            </a:r>
-            <a:endParaRPr lang="en-US" altLang="en-US" sz="1400" b="1"/>
-          </a:p>
-          <a:p>
-            <a:pPr marL="285750" indent="-285750">
-              <a:buFont typeface="Arial" panose="02080604020202020204" pitchFamily="34" charset="0"/>
-              <a:buChar char="•"/>
-            </a:pPr>
-            <a:r>
-              <a:rPr lang="en-US" altLang="en-US" sz="1400" b="1"/>
-              <a:t>template &lt;typename ET&gt;</a:t>
-            </a:r>
-            <a:endParaRPr lang="en-US" altLang="en-US" sz="1400" b="1"/>
-          </a:p>
-          <a:p>
-            <a:pPr marL="285750" indent="-285750">
-              <a:buFont typeface="Arial" panose="02080604020202020204" pitchFamily="34" charset="0"/>
-              <a:buChar char="•"/>
-            </a:pPr>
-            <a:r>
-              <a:rPr lang="en-US" altLang="en-US" sz="1400" b="1"/>
-              <a:t>struct Plus{</a:t>
-            </a:r>
-            <a:endParaRPr lang="en-US" altLang="en-US" sz="1400" b="1"/>
-          </a:p>
-          <a:p>
-            <a:pPr marL="285750" indent="-285750">
-              <a:buFont typeface="Arial" panose="02080604020202020204" pitchFamily="34" charset="0"/>
-              <a:buChar char="•"/>
-            </a:pPr>
-            <a:r>
-              <a:rPr lang="en-US" altLang="en-US" sz="1400" b="1"/>
-              <a:t>  typedef ET ElementType;</a:t>
-            </a:r>
-            <a:endParaRPr lang="en-US" altLang="en-US" sz="1400" b="1"/>
-          </a:p>
-          <a:p>
-            <a:pPr marL="285750" indent="-285750">
-              <a:buFont typeface="Arial" panose="02080604020202020204" pitchFamily="34" charset="0"/>
-              <a:buChar char="•"/>
-            </a:pPr>
-            <a:endParaRPr lang="en-US" altLang="en-US" sz="1400" b="1"/>
-          </a:p>
-          <a:p>
-            <a:pPr marL="285750" indent="-285750">
-              <a:buFont typeface="Arial" panose="02080604020202020204" pitchFamily="34" charset="0"/>
-              <a:buChar char="•"/>
-            </a:pPr>
-            <a:r>
-              <a:rPr lang="en-US" altLang="en-US" sz="1400" b="1"/>
-              <a:t>  static ElementType apply(ElementType l,ElementType r){</a:t>
-            </a:r>
-            <a:endParaRPr lang="en-US" altLang="en-US" sz="1400" b="1"/>
-          </a:p>
-          <a:p>
-            <a:pPr marL="285750" indent="-285750">
-              <a:buFont typeface="Arial" panose="02080604020202020204" pitchFamily="34" charset="0"/>
-              <a:buChar char="•"/>
-            </a:pPr>
-            <a:r>
-              <a:rPr lang="en-US" altLang="en-US" sz="1400" b="1"/>
-              <a:t>    return l+r;</a:t>
-            </a:r>
-            <a:endParaRPr lang="en-US" altLang="en-US" sz="1400" b="1"/>
-          </a:p>
-          <a:p>
-            <a:pPr marL="285750" indent="-285750">
-              <a:buFont typeface="Arial" panose="02080604020202020204" pitchFamily="34" charset="0"/>
-              <a:buChar char="•"/>
-            </a:pPr>
-            <a:endParaRPr lang="en-US" altLang="en-US" sz="1400" b="1"/>
-          </a:p>
-          <a:p>
-            <a:pPr marL="285750" indent="-285750">
-              <a:buFont typeface="Arial" panose="02080604020202020204" pitchFamily="34" charset="0"/>
-              <a:buChar char="•"/>
-            </a:pPr>
-            <a:r>
-              <a:rPr lang="en-US" altLang="en-US" sz="1400" b="1"/>
-              <a:t>  }</a:t>
-            </a:r>
-            <a:endParaRPr lang="en-US" altLang="en-US" sz="1400" b="1"/>
-          </a:p>
-          <a:p>
-            <a:pPr marL="285750" indent="-285750">
-              <a:buFont typeface="Arial" panose="02080604020202020204" pitchFamily="34" charset="0"/>
-              <a:buChar char="•"/>
-            </a:pPr>
-            <a:r>
-              <a:rPr lang="en-US" altLang="en-US" sz="1400" b="1"/>
-              <a:t>};</a:t>
-            </a:r>
-            <a:endParaRPr lang="en-US" altLang="en-US" sz="1400" b="1"/>
-          </a:p>
-        </p:txBody>
-      </p:sp>
-    </p:spTree>
-  </p:cSld>
-  <p:clrMapOvr>
-    <a:masterClrMapping/>
-  </p:clrMapOvr>
-</p:sld>
-</file>
-
-<file path=ppt/slides/slide21.xml><?xml version="1.0" encoding="utf-8"?>
-<p:sld xmlns:a="http://schemas.openxmlformats.org/drawingml/2006/main" xmlns:r="http://schemas.openxmlformats.org/officeDocument/2006/relationships" xmlns:p="http://schemas.openxmlformats.org/presentationml/2006/main">
-  <p:cSld>
-    <p:spTree>
-      <p:nvGrpSpPr>
-        <p:cNvPr id="1" name=""/>
-        <p:cNvGrpSpPr/>
-        <p:nvPr/>
-      </p:nvGrpSpPr>
-      <p:grpSpPr/>
-      <p:sp>
-        <p:nvSpPr>
-          <p:cNvPr id="2" name="Title 1"/>
-          <p:cNvSpPr>
-            <a:spLocks noGrp="1"/>
-          </p:cNvSpPr>
-          <p:nvPr>
-            <p:ph type="title"/>
-          </p:nvPr>
-        </p:nvSpPr>
-        <p:spPr>
-          <a:xfrm>
-            <a:off x="838200" y="-47625"/>
-            <a:ext cx="10515600" cy="1325563"/>
-          </a:xfrm>
-        </p:spPr>
-        <p:txBody>
-          <a:bodyPr/>
-          <a:p>
-            <a:r>
-              <a:rPr lang="en-US" altLang="en-US"/>
-              <a:t>ET Arithmetik korrekt</a:t>
-            </a:r>
-            <a:endParaRPr lang="en-US" altLang="en-US"/>
-          </a:p>
-        </p:txBody>
-      </p:sp>
-      <p:cxnSp>
-        <p:nvCxnSpPr>
-          <p:cNvPr id="4" name="Straight Connector 3"/>
-          <p:cNvCxnSpPr/>
-          <p:nvPr/>
-        </p:nvCxnSpPr>
-        <p:spPr>
-          <a:xfrm flipV="1">
-            <a:off x="-18415" y="893445"/>
-            <a:ext cx="12162155" cy="49530"/>
-          </a:xfrm>
-          <a:prstGeom prst="line">
-            <a:avLst/>
-          </a:prstGeom>
-          <a:ln w="25400">
-            <a:solidFill>
-              <a:srgbClr val="C00000"/>
-            </a:solidFill>
-          </a:ln>
-        </p:spPr>
-        <p:style>
-          <a:lnRef idx="1">
-            <a:schemeClr val="accent1"/>
-          </a:lnRef>
-          <a:fillRef idx="0">
-            <a:schemeClr val="accent1"/>
-          </a:fillRef>
-          <a:effectRef idx="0">
-            <a:schemeClr val="accent1"/>
-          </a:effectRef>
-          <a:fontRef idx="minor">
-            <a:schemeClr val="tx1"/>
-          </a:fontRef>
-        </p:style>
-      </p:cxnSp>
-      <p:sp>
-        <p:nvSpPr>
-          <p:cNvPr id="3" name="Text Box 2"/>
-          <p:cNvSpPr txBox="1"/>
-          <p:nvPr/>
-        </p:nvSpPr>
-        <p:spPr>
-          <a:xfrm>
-            <a:off x="302260" y="1059180"/>
-            <a:ext cx="11592560" cy="2461260"/>
-          </a:xfrm>
-          <a:prstGeom prst="rect">
-            <a:avLst/>
-          </a:prstGeom>
-          <a:noFill/>
-        </p:spPr>
-        <p:txBody>
-          <a:bodyPr wrap="square" rtlCol="0">
-            <a:spAutoFit/>
-          </a:bodyPr>
-          <a:p>
-            <a:pPr marL="285750" indent="-285750">
-              <a:buFont typeface="Arial" panose="02080604020202020204" pitchFamily="34" charset="0"/>
-              <a:buChar char="•"/>
-            </a:pPr>
-            <a:r>
-              <a:rPr lang="en-US" altLang="en-US" sz="1400" b="1"/>
-              <a:t>// elementwise multiplication</a:t>
-            </a:r>
-            <a:endParaRPr lang="en-US" altLang="en-US" sz="1400" b="1"/>
-          </a:p>
-          <a:p>
-            <a:pPr marL="285750" indent="-285750">
-              <a:buFont typeface="Arial" panose="02080604020202020204" pitchFamily="34" charset="0"/>
-              <a:buChar char="•"/>
-            </a:pPr>
-            <a:r>
-              <a:rPr lang="en-US" altLang="en-US" sz="1400" b="1"/>
-              <a:t>template &lt;typename ET&gt;</a:t>
-            </a:r>
-            <a:endParaRPr lang="en-US" altLang="en-US" sz="1400" b="1"/>
-          </a:p>
-          <a:p>
-            <a:pPr marL="285750" indent="-285750">
-              <a:buFont typeface="Arial" panose="02080604020202020204" pitchFamily="34" charset="0"/>
-              <a:buChar char="•"/>
-            </a:pPr>
-            <a:r>
-              <a:rPr lang="en-US" altLang="en-US" sz="1400" b="1"/>
-              <a:t>struct Mult{</a:t>
-            </a:r>
-            <a:endParaRPr lang="en-US" altLang="en-US" sz="1400" b="1"/>
-          </a:p>
-          <a:p>
-            <a:pPr marL="285750" indent="-285750">
-              <a:buFont typeface="Arial" panose="02080604020202020204" pitchFamily="34" charset="0"/>
-              <a:buChar char="•"/>
-            </a:pPr>
-            <a:endParaRPr lang="en-US" altLang="en-US" sz="1400" b="1"/>
-          </a:p>
-          <a:p>
-            <a:pPr marL="285750" indent="-285750">
-              <a:buFont typeface="Arial" panose="02080604020202020204" pitchFamily="34" charset="0"/>
-              <a:buChar char="•"/>
-            </a:pPr>
-            <a:r>
-              <a:rPr lang="en-US" altLang="en-US" sz="1400" b="1"/>
-              <a:t>  typedef ET ElementType;</a:t>
-            </a:r>
-            <a:endParaRPr lang="en-US" altLang="en-US" sz="1400" b="1"/>
-          </a:p>
-          <a:p>
-            <a:pPr marL="285750" indent="-285750">
-              <a:buFont typeface="Arial" panose="02080604020202020204" pitchFamily="34" charset="0"/>
-              <a:buChar char="•"/>
-            </a:pPr>
-            <a:r>
-              <a:rPr lang="en-US" altLang="en-US" sz="1400" b="1"/>
-              <a:t>  static ElementType apply(ElementType l, ElementType r){</a:t>
-            </a:r>
-            <a:endParaRPr lang="en-US" altLang="en-US" sz="1400" b="1"/>
-          </a:p>
-          <a:p>
-            <a:pPr marL="285750" indent="-285750">
-              <a:buFont typeface="Arial" panose="02080604020202020204" pitchFamily="34" charset="0"/>
-              <a:buChar char="•"/>
-            </a:pPr>
-            <a:endParaRPr lang="en-US" altLang="en-US" sz="1400" b="1"/>
-          </a:p>
-          <a:p>
-            <a:pPr marL="285750" indent="-285750">
-              <a:buFont typeface="Arial" panose="02080604020202020204" pitchFamily="34" charset="0"/>
-              <a:buChar char="•"/>
-            </a:pPr>
-            <a:r>
-              <a:rPr lang="en-US" altLang="en-US" sz="1400" b="1"/>
-              <a:t>    return l*r;</a:t>
-            </a:r>
-            <a:endParaRPr lang="en-US" altLang="en-US" sz="1400" b="1"/>
-          </a:p>
-          <a:p>
-            <a:pPr marL="285750" indent="-285750">
-              <a:buFont typeface="Arial" panose="02080604020202020204" pitchFamily="34" charset="0"/>
-              <a:buChar char="•"/>
-            </a:pPr>
-            <a:r>
-              <a:rPr lang="en-US" altLang="en-US" sz="1400" b="1"/>
-              <a:t>  }</a:t>
-            </a:r>
-            <a:endParaRPr lang="en-US" altLang="en-US" sz="1400" b="1"/>
-          </a:p>
-          <a:p>
-            <a:pPr marL="285750" indent="-285750">
-              <a:buFont typeface="Arial" panose="02080604020202020204" pitchFamily="34" charset="0"/>
-              <a:buChar char="•"/>
-            </a:pPr>
-            <a:r>
-              <a:rPr lang="en-US" altLang="en-US" sz="1400" b="1"/>
-              <a:t>};</a:t>
-            </a:r>
-            <a:endParaRPr lang="en-US" altLang="en-US" sz="1400" b="1"/>
-          </a:p>
-          <a:p>
-            <a:pPr marL="285750" indent="-285750">
-              <a:buFont typeface="Arial" panose="02080604020202020204" pitchFamily="34" charset="0"/>
-              <a:buChar char="•"/>
-            </a:pPr>
-            <a:endParaRPr lang="en-US" altLang="en-US" sz="1400" b="1"/>
-          </a:p>
-        </p:txBody>
-      </p:sp>
-    </p:spTree>
-  </p:cSld>
-  <p:clrMapOvr>
-    <a:masterClrMapping/>
-  </p:clrMapOvr>
-</p:sld>
-</file>
-
-<file path=ppt/slides/slide22.xml><?xml version="1.0" encoding="utf-8"?>
-<p:sld xmlns:a="http://schemas.openxmlformats.org/drawingml/2006/main" xmlns:r="http://schemas.openxmlformats.org/officeDocument/2006/relationships" xmlns:p="http://schemas.openxmlformats.org/presentationml/2006/main">
-  <p:cSld>
-    <p:spTree>
-      <p:nvGrpSpPr>
-        <p:cNvPr id="1" name=""/>
-        <p:cNvGrpSpPr/>
-        <p:nvPr/>
-      </p:nvGrpSpPr>
-      <p:grpSpPr/>
-      <p:sp>
-        <p:nvSpPr>
-          <p:cNvPr id="2" name="Title 1"/>
-          <p:cNvSpPr>
-            <a:spLocks noGrp="1"/>
-          </p:cNvSpPr>
-          <p:nvPr>
-            <p:ph type="title"/>
-          </p:nvPr>
-        </p:nvSpPr>
-        <p:spPr>
-          <a:xfrm>
-            <a:off x="838200" y="-47625"/>
-            <a:ext cx="10515600" cy="1325563"/>
-          </a:xfrm>
-        </p:spPr>
-        <p:txBody>
-          <a:bodyPr/>
-          <a:p>
-            <a:r>
-              <a:rPr lang="en-US" altLang="en-US"/>
-              <a:t>ET was geschieht beim Compilen</a:t>
-            </a:r>
-            <a:endParaRPr lang="en-US" altLang="en-US"/>
-          </a:p>
-        </p:txBody>
-      </p:sp>
-      <p:cxnSp>
-        <p:nvCxnSpPr>
-          <p:cNvPr id="4" name="Straight Connector 3"/>
-          <p:cNvCxnSpPr/>
-          <p:nvPr/>
-        </p:nvCxnSpPr>
-        <p:spPr>
-          <a:xfrm flipV="1">
-            <a:off x="-18415" y="893445"/>
-            <a:ext cx="12162155" cy="49530"/>
-          </a:xfrm>
-          <a:prstGeom prst="line">
-            <a:avLst/>
-          </a:prstGeom>
-          <a:ln w="25400">
-            <a:solidFill>
-              <a:srgbClr val="C00000"/>
-            </a:solidFill>
-          </a:ln>
-        </p:spPr>
-        <p:style>
-          <a:lnRef idx="1">
-            <a:schemeClr val="accent1"/>
-          </a:lnRef>
-          <a:fillRef idx="0">
-            <a:schemeClr val="accent1"/>
-          </a:fillRef>
-          <a:effectRef idx="0">
-            <a:schemeClr val="accent1"/>
-          </a:effectRef>
-          <a:fontRef idx="minor">
-            <a:schemeClr val="tx1"/>
-          </a:fontRef>
-        </p:style>
-      </p:cxnSp>
-      <p:sp>
-        <p:nvSpPr>
-          <p:cNvPr id="3" name="Text Box 2"/>
-          <p:cNvSpPr txBox="1"/>
-          <p:nvPr/>
-        </p:nvSpPr>
-        <p:spPr>
-          <a:xfrm>
-            <a:off x="153670" y="1059180"/>
-            <a:ext cx="11592560" cy="3969385"/>
-          </a:xfrm>
-          <a:prstGeom prst="rect">
-            <a:avLst/>
-          </a:prstGeom>
-          <a:noFill/>
-        </p:spPr>
-        <p:txBody>
-          <a:bodyPr wrap="square" rtlCol="0">
-            <a:spAutoFit/>
-          </a:bodyPr>
-          <a:p>
-            <a:pPr marL="285750" indent="-285750">
-              <a:buFont typeface="Arial" panose="02080604020202020204" pitchFamily="34" charset="0"/>
-              <a:buChar char="•"/>
-            </a:pPr>
-            <a:r>
-              <a:rPr lang="en-US" altLang="en-US" sz="1400" b="1"/>
-              <a:t>Bsp.: x = b*c + d*e</a:t>
-            </a:r>
-            <a:endParaRPr lang="en-US" altLang="en-US" sz="1400" b="1"/>
-          </a:p>
-          <a:p>
-            <a:pPr marL="285750" indent="-285750">
-              <a:buFont typeface="Arial" panose="02080604020202020204" pitchFamily="34" charset="0"/>
-              <a:buChar char="•"/>
-            </a:pPr>
-            <a:endParaRPr lang="en-US" altLang="en-US" sz="1400" b="1"/>
-          </a:p>
-          <a:p>
-            <a:pPr marL="285750" indent="-285750">
-              <a:buFont typeface="Arial" panose="02080604020202020204" pitchFamily="34" charset="0"/>
-              <a:buChar char="•"/>
-            </a:pPr>
-            <a:r>
-              <a:rPr lang="en-US" altLang="en-US" sz="1400" b="1"/>
-              <a:t>Der Ausdruck b*c + d*e wird aufgerollt</a:t>
-            </a:r>
-            <a:endParaRPr lang="en-US" altLang="en-US" sz="1400" b="1"/>
-          </a:p>
-          <a:p>
-            <a:pPr marL="800100" lvl="1" indent="-342900">
-              <a:buFont typeface="Arial" panose="02080604020202020204" pitchFamily="34" charset="0"/>
-              <a:buAutoNum type="arabicPeriod"/>
-            </a:pPr>
-            <a:r>
-              <a:rPr lang="en-US" altLang="en-US" sz="1400" b="1"/>
-              <a:t>Die Multiplikationen werden angewand operator*</a:t>
-            </a:r>
-            <a:endParaRPr lang="en-US" altLang="en-US" sz="1400" b="1"/>
-          </a:p>
-          <a:p>
-            <a:pPr marL="1257300" lvl="2" indent="-342900">
-              <a:buFont typeface="Arial" panose="02080604020202020204" pitchFamily="34" charset="0"/>
-              <a:buChar char="•"/>
-            </a:pPr>
-            <a:r>
-              <a:rPr lang="en-US" altLang="en-US" sz="1400" b="1"/>
-              <a:t>Expression&lt;VektorExpression&lt;double&gt;, Mult&lt;double&gt;, VektorExpression&lt;double&gt; &gt;</a:t>
-            </a:r>
-            <a:endParaRPr lang="en-US" altLang="en-US" sz="1400" b="1"/>
-          </a:p>
-          <a:p>
-            <a:pPr marL="800100" lvl="1" indent="-342900">
-              <a:buFont typeface="Arial" panose="02080604020202020204" pitchFamily="34" charset="0"/>
-              <a:buAutoNum type="arabicPeriod"/>
-            </a:pPr>
-            <a:r>
-              <a:rPr lang="en-US" altLang="en-US" sz="1400" b="1"/>
-              <a:t>Die Addition wird auf die Teilausdrücke angewandt</a:t>
-            </a:r>
-            <a:endParaRPr lang="en-US" altLang="en-US" sz="1400" b="1"/>
-          </a:p>
-          <a:p>
-            <a:pPr marL="1257300" lvl="2" indent="-342900">
-              <a:buFont typeface="Arial" panose="02080604020202020204" pitchFamily="34" charset="0"/>
-              <a:buChar char="•"/>
-            </a:pPr>
-            <a:r>
-              <a:rPr lang="en-US" altLang="en-US" sz="1400" b="1"/>
-              <a:t>Expression&lt;</a:t>
-            </a:r>
-            <a:r>
-              <a:rPr lang="en-US" altLang="en-US" sz="1400" b="1">
-                <a:sym typeface="+mn-ea"/>
-              </a:rPr>
-              <a:t>Expression&lt;VektorExpression&lt;double&gt;, Mult&lt;double&gt;, VektorExpression&lt;double&gt; &gt;, Plus&lt;double&gt;, </a:t>
-            </a:r>
-            <a:endParaRPr lang="en-US" altLang="en-US" sz="1400" b="1">
-              <a:sym typeface="+mn-ea"/>
-            </a:endParaRPr>
-          </a:p>
-          <a:p>
-            <a:pPr marL="0" lvl="2" indent="0">
-              <a:buNone/>
-            </a:pPr>
-            <a:r>
-              <a:rPr lang="en-US" altLang="en-US" sz="1400" b="1">
-                <a:sym typeface="+mn-ea"/>
-              </a:rPr>
-              <a:t>                    Expression&lt;VektorExpression&lt;double&gt;, Mult&lt;double&gt;, VektorExpression&lt;double&gt; &gt;</a:t>
-            </a:r>
-            <a:endParaRPr lang="en-US" altLang="en-US" sz="1400" b="1">
-              <a:sym typeface="+mn-ea"/>
-            </a:endParaRPr>
-          </a:p>
-          <a:p>
-            <a:pPr marL="800100" lvl="3" indent="-342900">
-              <a:buFont typeface="+mj-lt"/>
-              <a:buAutoNum type="arabicPeriod" startAt="3"/>
-            </a:pPr>
-            <a:r>
-              <a:rPr lang="en-US" altLang="en-US" sz="1400" b="1"/>
-              <a:t>Gesamtausdruck wird zugewiesen operator= stösst Berechnung über operator[] an</a:t>
-            </a:r>
-            <a:endParaRPr lang="en-US" altLang="en-US" sz="1400" b="1"/>
-          </a:p>
-          <a:p>
-            <a:pPr marL="1257300" lvl="4" indent="-342900">
-              <a:buFont typeface="Arial" panose="02080604020202020204" pitchFamily="34" charset="0"/>
-              <a:buChar char="•"/>
-            </a:pPr>
-            <a:r>
-              <a:rPr lang="en-US" altLang="en-US" sz="1400" b="1"/>
-              <a:t>für jeden Index des Vektors wird Operation::apply(left[index], right[index]); ausgerollt und ausgerechnet</a:t>
-            </a:r>
-            <a:endParaRPr lang="en-US" altLang="en-US" sz="1400" b="1"/>
-          </a:p>
-          <a:p>
-            <a:pPr marL="1714500" lvl="5" indent="-342900">
-              <a:buFont typeface="Arial" panose="02080604020202020204" pitchFamily="34" charset="0"/>
-              <a:buChar char="•"/>
-            </a:pPr>
-            <a:r>
-              <a:rPr lang="en-US" altLang="en-US" sz="1400" b="1"/>
-              <a:t>x[index] = b[index]*c[index] + d[index]*e[index]</a:t>
-            </a:r>
-            <a:endParaRPr lang="en-US" altLang="en-US" sz="1400" b="1"/>
-          </a:p>
-          <a:p>
-            <a:pPr marL="342900" lvl="2" indent="-342900">
-              <a:buFont typeface="Arial" panose="02080604020202020204" pitchFamily="34" charset="0"/>
-              <a:buChar char="•"/>
-            </a:pPr>
-            <a:r>
-              <a:rPr lang="en-US" altLang="en-US" sz="1400" b="1"/>
-              <a:t>Der Datentyp der Vektorexpression wird über Plus&lt;typename Left::ElementType&gt; automatisch an plus und mult Funktionen durchgereicht. Der linke Operand bestimmt das Ergebnis der Operation. </a:t>
-            </a:r>
-            <a:endParaRPr lang="en-US" altLang="en-US" sz="1400" b="1"/>
-          </a:p>
-          <a:p>
-            <a:pPr lvl="2" indent="0">
-              <a:buNone/>
-            </a:pPr>
-            <a:endParaRPr lang="en-US" altLang="en-US" sz="1400" b="1"/>
-          </a:p>
-          <a:p>
-            <a:pPr marL="1257300" lvl="2" indent="-342900">
-              <a:buFont typeface="Arial" panose="02080604020202020204" pitchFamily="34" charset="0"/>
-              <a:buChar char="•"/>
-            </a:pPr>
-            <a:endParaRPr lang="en-US" altLang="en-US" sz="1400" b="1"/>
-          </a:p>
-          <a:p>
-            <a:pPr marL="285750" indent="-285750">
-              <a:buFont typeface="Arial" panose="02080604020202020204" pitchFamily="34" charset="0"/>
-              <a:buChar char="•"/>
-            </a:pPr>
-            <a:endParaRPr lang="en-US" altLang="en-US" sz="1400" b="1"/>
           </a:p>
         </p:txBody>
       </p:sp>
